--- a/CNGDocumentation/Input generation Flow charts.pptx
+++ b/CNGDocumentation/Input generation Flow charts.pptx
@@ -12,8 +12,10 @@
     <p:sldId id="261" r:id="rId6"/>
     <p:sldId id="265" r:id="rId7"/>
     <p:sldId id="259" r:id="rId8"/>
-    <p:sldId id="262" r:id="rId9"/>
-    <p:sldId id="263" r:id="rId10"/>
+    <p:sldId id="267" r:id="rId9"/>
+    <p:sldId id="262" r:id="rId10"/>
+    <p:sldId id="263" r:id="rId11"/>
+    <p:sldId id="266" r:id="rId12"/>
   </p:sldIdLst>
   <p:sldSz cx="12192000" cy="6858000"/>
   <p:notesSz cx="6858000" cy="9144000"/>
@@ -123,7 +125,7 @@
 <file path=ppt/revisionInfo.xml><?xml version="1.0" encoding="utf-8"?>
 <p1510:revInfo xmlns:a="http://schemas.openxmlformats.org/drawingml/2006/main" xmlns:r="http://schemas.openxmlformats.org/officeDocument/2006/relationships" xmlns:p1510="http://schemas.microsoft.com/office/powerpoint/2015/10/main">
   <p1510:revLst>
-    <p1510:client id="{0184654C-E017-40C5-9D43-E673A06143A5}" v="10" dt="2023-01-11T22:17:41.259"/>
+    <p1510:client id="{0184654C-E017-40C5-9D43-E673A06143A5}" v="12" dt="2023-01-20T02:44:23.737"/>
   </p1510:revLst>
 </p1510:revInfo>
 </file>
@@ -133,7 +135,7 @@
   <pc:docChgLst>
     <pc:chgData name="Norman Mason" userId="7985c621-86ca-457f-8e46-24ff51e3bb6f" providerId="ADAL" clId="{0184654C-E017-40C5-9D43-E673A06143A5}"/>
     <pc:docChg chg="custSel addSld modSld sldOrd">
-      <pc:chgData name="Norman Mason" userId="7985c621-86ca-457f-8e46-24ff51e3bb6f" providerId="ADAL" clId="{0184654C-E017-40C5-9D43-E673A06143A5}" dt="2023-01-11T22:33:05.844" v="963" actId="1038"/>
+      <pc:chgData name="Norman Mason" userId="7985c621-86ca-457f-8e46-24ff51e3bb6f" providerId="ADAL" clId="{0184654C-E017-40C5-9D43-E673A06143A5}" dt="2023-01-20T02:48:00.884" v="1700" actId="14100"/>
       <pc:docMkLst>
         <pc:docMk/>
       </pc:docMkLst>
@@ -161,11 +163,19 @@
         </pc:spChg>
       </pc:sldChg>
       <pc:sldChg chg="delSp modSp mod">
-        <pc:chgData name="Norman Mason" userId="7985c621-86ca-457f-8e46-24ff51e3bb6f" providerId="ADAL" clId="{0184654C-E017-40C5-9D43-E673A06143A5}" dt="2023-01-11T22:25:44.867" v="683" actId="1035"/>
+        <pc:chgData name="Norman Mason" userId="7985c621-86ca-457f-8e46-24ff51e3bb6f" providerId="ADAL" clId="{0184654C-E017-40C5-9D43-E673A06143A5}" dt="2023-01-20T02:41:06.772" v="1044" actId="20577"/>
         <pc:sldMkLst>
           <pc:docMk/>
           <pc:sldMk cId="1890483975" sldId="259"/>
         </pc:sldMkLst>
+        <pc:spChg chg="mod">
+          <ac:chgData name="Norman Mason" userId="7985c621-86ca-457f-8e46-24ff51e3bb6f" providerId="ADAL" clId="{0184654C-E017-40C5-9D43-E673A06143A5}" dt="2023-01-20T02:41:06.772" v="1044" actId="20577"/>
+          <ac:spMkLst>
+            <pc:docMk/>
+            <pc:sldMk cId="1890483975" sldId="259"/>
+            <ac:spMk id="2" creationId="{CAE5E915-DEF1-198A-C265-3128F3ADE322}"/>
+          </ac:spMkLst>
+        </pc:spChg>
         <pc:spChg chg="del">
           <ac:chgData name="Norman Mason" userId="7985c621-86ca-457f-8e46-24ff51e3bb6f" providerId="ADAL" clId="{0184654C-E017-40C5-9D43-E673A06143A5}" dt="2023-01-11T22:22:56.214" v="603" actId="478"/>
           <ac:spMkLst>
@@ -303,7 +313,7 @@
           </ac:spMkLst>
         </pc:spChg>
         <pc:spChg chg="mod">
-          <ac:chgData name="Norman Mason" userId="7985c621-86ca-457f-8e46-24ff51e3bb6f" providerId="ADAL" clId="{0184654C-E017-40C5-9D43-E673A06143A5}" dt="2023-01-11T22:25:44.867" v="683" actId="1035"/>
+          <ac:chgData name="Norman Mason" userId="7985c621-86ca-457f-8e46-24ff51e3bb6f" providerId="ADAL" clId="{0184654C-E017-40C5-9D43-E673A06143A5}" dt="2023-01-20T02:39:51.178" v="1001" actId="1076"/>
           <ac:spMkLst>
             <pc:docMk/>
             <pc:sldMk cId="1890483975" sldId="259"/>
@@ -376,7 +386,7 @@
         </pc:cxnChg>
       </pc:sldChg>
       <pc:sldChg chg="modSp mod">
-        <pc:chgData name="Norman Mason" userId="7985c621-86ca-457f-8e46-24ff51e3bb6f" providerId="ADAL" clId="{0184654C-E017-40C5-9D43-E673A06143A5}" dt="2023-01-11T22:18:10.392" v="447" actId="20577"/>
+        <pc:chgData name="Norman Mason" userId="7985c621-86ca-457f-8e46-24ff51e3bb6f" providerId="ADAL" clId="{0184654C-E017-40C5-9D43-E673A06143A5}" dt="2023-01-20T02:48:00.884" v="1700" actId="14100"/>
         <pc:sldMkLst>
           <pc:docMk/>
           <pc:sldMk cId="3380993092" sldId="261"/>
@@ -398,7 +408,7 @@
           </ac:spMkLst>
         </pc:spChg>
         <pc:spChg chg="mod">
-          <ac:chgData name="Norman Mason" userId="7985c621-86ca-457f-8e46-24ff51e3bb6f" providerId="ADAL" clId="{0184654C-E017-40C5-9D43-E673A06143A5}" dt="2023-01-11T22:18:10.392" v="447" actId="20577"/>
+          <ac:chgData name="Norman Mason" userId="7985c621-86ca-457f-8e46-24ff51e3bb6f" providerId="ADAL" clId="{0184654C-E017-40C5-9D43-E673A06143A5}" dt="2023-01-20T02:48:00.884" v="1700" actId="14100"/>
           <ac:spMkLst>
             <pc:docMk/>
             <pc:sldMk cId="3380993092" sldId="261"/>
@@ -413,6 +423,109 @@
             <ac:spMk id="32" creationId="{18BB9094-921F-E55B-FC86-B7A815A16F29}"/>
           </ac:spMkLst>
         </pc:spChg>
+      </pc:sldChg>
+      <pc:sldChg chg="modSp mod">
+        <pc:chgData name="Norman Mason" userId="7985c621-86ca-457f-8e46-24ff51e3bb6f" providerId="ADAL" clId="{0184654C-E017-40C5-9D43-E673A06143A5}" dt="2023-01-20T02:46:52.488" v="1696" actId="1037"/>
+        <pc:sldMkLst>
+          <pc:docMk/>
+          <pc:sldMk cId="2382085848" sldId="262"/>
+        </pc:sldMkLst>
+        <pc:spChg chg="mod">
+          <ac:chgData name="Norman Mason" userId="7985c621-86ca-457f-8e46-24ff51e3bb6f" providerId="ADAL" clId="{0184654C-E017-40C5-9D43-E673A06143A5}" dt="2023-01-20T02:46:42.669" v="1642" actId="1036"/>
+          <ac:spMkLst>
+            <pc:docMk/>
+            <pc:sldMk cId="2382085848" sldId="262"/>
+            <ac:spMk id="12" creationId="{A941DC81-5B1F-46B5-1057-59B8D344A675}"/>
+          </ac:spMkLst>
+        </pc:spChg>
+        <pc:spChg chg="mod">
+          <ac:chgData name="Norman Mason" userId="7985c621-86ca-457f-8e46-24ff51e3bb6f" providerId="ADAL" clId="{0184654C-E017-40C5-9D43-E673A06143A5}" dt="2023-01-20T02:46:42.669" v="1642" actId="1036"/>
+          <ac:spMkLst>
+            <pc:docMk/>
+            <pc:sldMk cId="2382085848" sldId="262"/>
+            <ac:spMk id="13" creationId="{6093F917-C93E-46F1-ADE3-7203CE55C7EF}"/>
+          </ac:spMkLst>
+        </pc:spChg>
+        <pc:spChg chg="mod">
+          <ac:chgData name="Norman Mason" userId="7985c621-86ca-457f-8e46-24ff51e3bb6f" providerId="ADAL" clId="{0184654C-E017-40C5-9D43-E673A06143A5}" dt="2023-01-20T02:46:42.669" v="1642" actId="1036"/>
+          <ac:spMkLst>
+            <pc:docMk/>
+            <pc:sldMk cId="2382085848" sldId="262"/>
+            <ac:spMk id="17" creationId="{0A3E6A86-E54F-15C2-ABB4-B75601D24F6A}"/>
+          </ac:spMkLst>
+        </pc:spChg>
+        <pc:spChg chg="mod">
+          <ac:chgData name="Norman Mason" userId="7985c621-86ca-457f-8e46-24ff51e3bb6f" providerId="ADAL" clId="{0184654C-E017-40C5-9D43-E673A06143A5}" dt="2023-01-20T02:46:42.669" v="1642" actId="1036"/>
+          <ac:spMkLst>
+            <pc:docMk/>
+            <pc:sldMk cId="2382085848" sldId="262"/>
+            <ac:spMk id="18" creationId="{75FB5CBD-3C9F-1EAF-BEAC-F8FEDEEA5F54}"/>
+          </ac:spMkLst>
+        </pc:spChg>
+        <pc:spChg chg="mod">
+          <ac:chgData name="Norman Mason" userId="7985c621-86ca-457f-8e46-24ff51e3bb6f" providerId="ADAL" clId="{0184654C-E017-40C5-9D43-E673A06143A5}" dt="2023-01-20T02:46:42.669" v="1642" actId="1036"/>
+          <ac:spMkLst>
+            <pc:docMk/>
+            <pc:sldMk cId="2382085848" sldId="262"/>
+            <ac:spMk id="19" creationId="{73345D85-BEE3-3031-D3D1-DC1FF8168C47}"/>
+          </ac:spMkLst>
+        </pc:spChg>
+        <pc:spChg chg="mod">
+          <ac:chgData name="Norman Mason" userId="7985c621-86ca-457f-8e46-24ff51e3bb6f" providerId="ADAL" clId="{0184654C-E017-40C5-9D43-E673A06143A5}" dt="2023-01-20T02:46:42.669" v="1642" actId="1036"/>
+          <ac:spMkLst>
+            <pc:docMk/>
+            <pc:sldMk cId="2382085848" sldId="262"/>
+            <ac:spMk id="20" creationId="{4CD5B9CE-DAEF-D55B-CF34-3D0925046FF9}"/>
+          </ac:spMkLst>
+        </pc:spChg>
+        <pc:spChg chg="mod">
+          <ac:chgData name="Norman Mason" userId="7985c621-86ca-457f-8e46-24ff51e3bb6f" providerId="ADAL" clId="{0184654C-E017-40C5-9D43-E673A06143A5}" dt="2023-01-20T02:46:42.669" v="1642" actId="1036"/>
+          <ac:spMkLst>
+            <pc:docMk/>
+            <pc:sldMk cId="2382085848" sldId="262"/>
+            <ac:spMk id="21" creationId="{22212DB4-D2C3-E86B-E0D6-F222EF2BB34C}"/>
+          </ac:spMkLst>
+        </pc:spChg>
+        <pc:spChg chg="mod">
+          <ac:chgData name="Norman Mason" userId="7985c621-86ca-457f-8e46-24ff51e3bb6f" providerId="ADAL" clId="{0184654C-E017-40C5-9D43-E673A06143A5}" dt="2023-01-20T02:46:42.669" v="1642" actId="1036"/>
+          <ac:spMkLst>
+            <pc:docMk/>
+            <pc:sldMk cId="2382085848" sldId="262"/>
+            <ac:spMk id="22" creationId="{82FAE493-DBB1-5977-BEFB-289A4AD9BDAB}"/>
+          </ac:spMkLst>
+        </pc:spChg>
+        <pc:spChg chg="mod">
+          <ac:chgData name="Norman Mason" userId="7985c621-86ca-457f-8e46-24ff51e3bb6f" providerId="ADAL" clId="{0184654C-E017-40C5-9D43-E673A06143A5}" dt="2023-01-20T02:46:52.488" v="1696" actId="1037"/>
+          <ac:spMkLst>
+            <pc:docMk/>
+            <pc:sldMk cId="2382085848" sldId="262"/>
+            <ac:spMk id="25" creationId="{27FA5BD0-4818-1DED-580D-FB84FAC60056}"/>
+          </ac:spMkLst>
+        </pc:spChg>
+        <pc:cxnChg chg="mod">
+          <ac:chgData name="Norman Mason" userId="7985c621-86ca-457f-8e46-24ff51e3bb6f" providerId="ADAL" clId="{0184654C-E017-40C5-9D43-E673A06143A5}" dt="2023-01-20T02:46:42.669" v="1642" actId="1036"/>
+          <ac:cxnSpMkLst>
+            <pc:docMk/>
+            <pc:sldMk cId="2382085848" sldId="262"/>
+            <ac:cxnSpMk id="27" creationId="{FC19612E-1794-79D0-9BF7-2337B1E99DFB}"/>
+          </ac:cxnSpMkLst>
+        </pc:cxnChg>
+        <pc:cxnChg chg="mod">
+          <ac:chgData name="Norman Mason" userId="7985c621-86ca-457f-8e46-24ff51e3bb6f" providerId="ADAL" clId="{0184654C-E017-40C5-9D43-E673A06143A5}" dt="2023-01-20T02:46:42.669" v="1642" actId="1036"/>
+          <ac:cxnSpMkLst>
+            <pc:docMk/>
+            <pc:sldMk cId="2382085848" sldId="262"/>
+            <ac:cxnSpMk id="29" creationId="{A6452BD3-9AF0-24E7-F403-C1B355016F5C}"/>
+          </ac:cxnSpMkLst>
+        </pc:cxnChg>
+        <pc:cxnChg chg="mod">
+          <ac:chgData name="Norman Mason" userId="7985c621-86ca-457f-8e46-24ff51e3bb6f" providerId="ADAL" clId="{0184654C-E017-40C5-9D43-E673A06143A5}" dt="2023-01-20T02:46:42.669" v="1642" actId="1036"/>
+          <ac:cxnSpMkLst>
+            <pc:docMk/>
+            <pc:sldMk cId="2382085848" sldId="262"/>
+            <ac:cxnSpMk id="31" creationId="{F3CFC76C-B4A3-5233-9A60-EC7DACA032D9}"/>
+          </ac:cxnSpMkLst>
+        </pc:cxnChg>
       </pc:sldChg>
       <pc:sldChg chg="modSp mod">
         <pc:chgData name="Norman Mason" userId="7985c621-86ca-457f-8e46-24ff51e3bb6f" providerId="ADAL" clId="{0184654C-E017-40C5-9D43-E673A06143A5}" dt="2023-01-11T22:33:05.844" v="963" actId="1038"/>
@@ -864,6 +977,172 @@
             <pc:docMk/>
             <pc:sldMk cId="2689531892" sldId="265"/>
             <ac:cxnSpMk id="41" creationId="{E70D8D12-2FD2-6828-DDDE-8E58134D4798}"/>
+          </ac:cxnSpMkLst>
+        </pc:cxnChg>
+      </pc:sldChg>
+      <pc:sldChg chg="new">
+        <pc:chgData name="Norman Mason" userId="7985c621-86ca-457f-8e46-24ff51e3bb6f" providerId="ADAL" clId="{0184654C-E017-40C5-9D43-E673A06143A5}" dt="2023-01-20T02:38:49.936" v="964" actId="680"/>
+        <pc:sldMkLst>
+          <pc:docMk/>
+          <pc:sldMk cId="1023506575" sldId="266"/>
+        </pc:sldMkLst>
+      </pc:sldChg>
+      <pc:sldChg chg="addSp delSp modSp add mod">
+        <pc:chgData name="Norman Mason" userId="7985c621-86ca-457f-8e46-24ff51e3bb6f" providerId="ADAL" clId="{0184654C-E017-40C5-9D43-E673A06143A5}" dt="2023-01-20T02:46:27.222" v="1603" actId="1036"/>
+        <pc:sldMkLst>
+          <pc:docMk/>
+          <pc:sldMk cId="877965345" sldId="267"/>
+        </pc:sldMkLst>
+        <pc:spChg chg="mod">
+          <ac:chgData name="Norman Mason" userId="7985c621-86ca-457f-8e46-24ff51e3bb6f" providerId="ADAL" clId="{0184654C-E017-40C5-9D43-E673A06143A5}" dt="2023-01-20T02:46:27.222" v="1603" actId="1036"/>
+          <ac:spMkLst>
+            <pc:docMk/>
+            <pc:sldMk cId="877965345" sldId="267"/>
+            <ac:spMk id="2" creationId="{CAE5E915-DEF1-198A-C265-3128F3ADE322}"/>
+          </ac:spMkLst>
+        </pc:spChg>
+        <pc:spChg chg="add mod">
+          <ac:chgData name="Norman Mason" userId="7985c621-86ca-457f-8e46-24ff51e3bb6f" providerId="ADAL" clId="{0184654C-E017-40C5-9D43-E673A06143A5}" dt="2023-01-20T02:46:18.468" v="1543" actId="1035"/>
+          <ac:spMkLst>
+            <pc:docMk/>
+            <pc:sldMk cId="877965345" sldId="267"/>
+            <ac:spMk id="3" creationId="{D50C57FA-C282-64B9-74AF-780A6F376DF6}"/>
+          </ac:spMkLst>
+        </pc:spChg>
+        <pc:spChg chg="mod">
+          <ac:chgData name="Norman Mason" userId="7985c621-86ca-457f-8e46-24ff51e3bb6f" providerId="ADAL" clId="{0184654C-E017-40C5-9D43-E673A06143A5}" dt="2023-01-20T02:46:18.468" v="1543" actId="1035"/>
+          <ac:spMkLst>
+            <pc:docMk/>
+            <pc:sldMk cId="877965345" sldId="267"/>
+            <ac:spMk id="9" creationId="{A3DD84D4-D75B-8A65-D2F6-62D894C74E2E}"/>
+          </ac:spMkLst>
+        </pc:spChg>
+        <pc:spChg chg="mod">
+          <ac:chgData name="Norman Mason" userId="7985c621-86ca-457f-8e46-24ff51e3bb6f" providerId="ADAL" clId="{0184654C-E017-40C5-9D43-E673A06143A5}" dt="2023-01-20T02:46:18.468" v="1543" actId="1035"/>
+          <ac:spMkLst>
+            <pc:docMk/>
+            <pc:sldMk cId="877965345" sldId="267"/>
+            <ac:spMk id="10" creationId="{81D445D4-0446-D4DC-BB40-0A32A0C4E9C6}"/>
+          </ac:spMkLst>
+        </pc:spChg>
+        <pc:spChg chg="del">
+          <ac:chgData name="Norman Mason" userId="7985c621-86ca-457f-8e46-24ff51e3bb6f" providerId="ADAL" clId="{0184654C-E017-40C5-9D43-E673A06143A5}" dt="2023-01-20T02:43:00.027" v="1095" actId="478"/>
+          <ac:spMkLst>
+            <pc:docMk/>
+            <pc:sldMk cId="877965345" sldId="267"/>
+            <ac:spMk id="18" creationId="{AA1A1AA3-5606-800A-DA7E-9AAA5323DB74}"/>
+          </ac:spMkLst>
+        </pc:spChg>
+        <pc:spChg chg="del">
+          <ac:chgData name="Norman Mason" userId="7985c621-86ca-457f-8e46-24ff51e3bb6f" providerId="ADAL" clId="{0184654C-E017-40C5-9D43-E673A06143A5}" dt="2023-01-20T02:43:00.027" v="1095" actId="478"/>
+          <ac:spMkLst>
+            <pc:docMk/>
+            <pc:sldMk cId="877965345" sldId="267"/>
+            <ac:spMk id="19" creationId="{55F553A0-57DB-6C8B-F507-3500BEE52D50}"/>
+          </ac:spMkLst>
+        </pc:spChg>
+        <pc:spChg chg="del">
+          <ac:chgData name="Norman Mason" userId="7985c621-86ca-457f-8e46-24ff51e3bb6f" providerId="ADAL" clId="{0184654C-E017-40C5-9D43-E673A06143A5}" dt="2023-01-20T02:43:00.027" v="1095" actId="478"/>
+          <ac:spMkLst>
+            <pc:docMk/>
+            <pc:sldMk cId="877965345" sldId="267"/>
+            <ac:spMk id="20" creationId="{DAF3B1A7-E523-5DDA-28B7-DDD38CEDC78E}"/>
+          </ac:spMkLst>
+        </pc:spChg>
+        <pc:spChg chg="del">
+          <ac:chgData name="Norman Mason" userId="7985c621-86ca-457f-8e46-24ff51e3bb6f" providerId="ADAL" clId="{0184654C-E017-40C5-9D43-E673A06143A5}" dt="2023-01-20T02:43:00.027" v="1095" actId="478"/>
+          <ac:spMkLst>
+            <pc:docMk/>
+            <pc:sldMk cId="877965345" sldId="267"/>
+            <ac:spMk id="21" creationId="{596E7522-65AA-8ADE-5D39-5443EBC656B0}"/>
+          </ac:spMkLst>
+        </pc:spChg>
+        <pc:spChg chg="del">
+          <ac:chgData name="Norman Mason" userId="7985c621-86ca-457f-8e46-24ff51e3bb6f" providerId="ADAL" clId="{0184654C-E017-40C5-9D43-E673A06143A5}" dt="2023-01-20T02:43:01.507" v="1096" actId="478"/>
+          <ac:spMkLst>
+            <pc:docMk/>
+            <pc:sldMk cId="877965345" sldId="267"/>
+            <ac:spMk id="22" creationId="{CC0099BD-921D-68FF-79A4-E0127A724675}"/>
+          </ac:spMkLst>
+        </pc:spChg>
+        <pc:spChg chg="del mod">
+          <ac:chgData name="Norman Mason" userId="7985c621-86ca-457f-8e46-24ff51e3bb6f" providerId="ADAL" clId="{0184654C-E017-40C5-9D43-E673A06143A5}" dt="2023-01-20T02:43:05.384" v="1098" actId="478"/>
+          <ac:spMkLst>
+            <pc:docMk/>
+            <pc:sldMk cId="877965345" sldId="267"/>
+            <ac:spMk id="23" creationId="{362454BF-7846-757D-415A-705F873C861D}"/>
+          </ac:spMkLst>
+        </pc:spChg>
+        <pc:spChg chg="mod">
+          <ac:chgData name="Norman Mason" userId="7985c621-86ca-457f-8e46-24ff51e3bb6f" providerId="ADAL" clId="{0184654C-E017-40C5-9D43-E673A06143A5}" dt="2023-01-20T02:46:18.468" v="1543" actId="1035"/>
+          <ac:spMkLst>
+            <pc:docMk/>
+            <pc:sldMk cId="877965345" sldId="267"/>
+            <ac:spMk id="24" creationId="{CCF2FDEF-CBC6-7383-EC8C-067B64132A1B}"/>
+          </ac:spMkLst>
+        </pc:spChg>
+        <pc:spChg chg="del mod">
+          <ac:chgData name="Norman Mason" userId="7985c621-86ca-457f-8e46-24ff51e3bb6f" providerId="ADAL" clId="{0184654C-E017-40C5-9D43-E673A06143A5}" dt="2023-01-20T02:43:08.891" v="1100" actId="478"/>
+          <ac:spMkLst>
+            <pc:docMk/>
+            <pc:sldMk cId="877965345" sldId="267"/>
+            <ac:spMk id="25" creationId="{2C6D9D1E-B1B2-DBCD-65FF-617F332C5854}"/>
+          </ac:spMkLst>
+        </pc:spChg>
+        <pc:spChg chg="mod">
+          <ac:chgData name="Norman Mason" userId="7985c621-86ca-457f-8e46-24ff51e3bb6f" providerId="ADAL" clId="{0184654C-E017-40C5-9D43-E673A06143A5}" dt="2023-01-20T02:46:18.468" v="1543" actId="1035"/>
+          <ac:spMkLst>
+            <pc:docMk/>
+            <pc:sldMk cId="877965345" sldId="267"/>
+            <ac:spMk id="26" creationId="{1D4725D2-3EB7-D712-736C-3CDAC15C103C}"/>
+          </ac:spMkLst>
+        </pc:spChg>
+        <pc:spChg chg="mod">
+          <ac:chgData name="Norman Mason" userId="7985c621-86ca-457f-8e46-24ff51e3bb6f" providerId="ADAL" clId="{0184654C-E017-40C5-9D43-E673A06143A5}" dt="2023-01-20T02:46:18.468" v="1543" actId="1035"/>
+          <ac:spMkLst>
+            <pc:docMk/>
+            <pc:sldMk cId="877965345" sldId="267"/>
+            <ac:spMk id="27" creationId="{4D5AF505-1F9A-B0A1-DAD4-C6A1BB40AA2B}"/>
+          </ac:spMkLst>
+        </pc:spChg>
+        <pc:cxnChg chg="del mod">
+          <ac:chgData name="Norman Mason" userId="7985c621-86ca-457f-8e46-24ff51e3bb6f" providerId="ADAL" clId="{0184654C-E017-40C5-9D43-E673A06143A5}" dt="2023-01-20T02:43:00.027" v="1095" actId="478"/>
+          <ac:cxnSpMkLst>
+            <pc:docMk/>
+            <pc:sldMk cId="877965345" sldId="267"/>
+            <ac:cxnSpMk id="29" creationId="{58F5A7C1-195D-6A71-EB18-8D279368B8FB}"/>
+          </ac:cxnSpMkLst>
+        </pc:cxnChg>
+        <pc:cxnChg chg="del mod">
+          <ac:chgData name="Norman Mason" userId="7985c621-86ca-457f-8e46-24ff51e3bb6f" providerId="ADAL" clId="{0184654C-E017-40C5-9D43-E673A06143A5}" dt="2023-01-20T02:43:00.027" v="1095" actId="478"/>
+          <ac:cxnSpMkLst>
+            <pc:docMk/>
+            <pc:sldMk cId="877965345" sldId="267"/>
+            <ac:cxnSpMk id="31" creationId="{4F0DD57E-1660-FBF6-FD2D-D581E40CCBCE}"/>
+          </ac:cxnSpMkLst>
+        </pc:cxnChg>
+        <pc:cxnChg chg="del mod">
+          <ac:chgData name="Norman Mason" userId="7985c621-86ca-457f-8e46-24ff51e3bb6f" providerId="ADAL" clId="{0184654C-E017-40C5-9D43-E673A06143A5}" dt="2023-01-20T02:43:10.395" v="1101" actId="478"/>
+          <ac:cxnSpMkLst>
+            <pc:docMk/>
+            <pc:sldMk cId="877965345" sldId="267"/>
+            <ac:cxnSpMk id="33" creationId="{D1DC5643-DA68-95E4-5718-C3305CABA1B1}"/>
+          </ac:cxnSpMkLst>
+        </pc:cxnChg>
+        <pc:cxnChg chg="mod">
+          <ac:chgData name="Norman Mason" userId="7985c621-86ca-457f-8e46-24ff51e3bb6f" providerId="ADAL" clId="{0184654C-E017-40C5-9D43-E673A06143A5}" dt="2023-01-20T02:46:18.468" v="1543" actId="1035"/>
+          <ac:cxnSpMkLst>
+            <pc:docMk/>
+            <pc:sldMk cId="877965345" sldId="267"/>
+            <ac:cxnSpMk id="35" creationId="{E3502059-861E-CEB1-E691-3775CA1A4C98}"/>
+          </ac:cxnSpMkLst>
+        </pc:cxnChg>
+        <pc:cxnChg chg="mod">
+          <ac:chgData name="Norman Mason" userId="7985c621-86ca-457f-8e46-24ff51e3bb6f" providerId="ADAL" clId="{0184654C-E017-40C5-9D43-E673A06143A5}" dt="2023-01-20T02:46:18.468" v="1543" actId="1035"/>
+          <ac:cxnSpMkLst>
+            <pc:docMk/>
+            <pc:sldMk cId="877965345" sldId="267"/>
+            <ac:cxnSpMk id="37" creationId="{2D5097E6-D263-9F11-F784-84045526C9E0}"/>
           </ac:cxnSpMkLst>
         </pc:cxnChg>
       </pc:sldChg>
@@ -1021,7 +1300,7 @@
           <a:p>
             <a:fld id="{EC16A94B-6FCC-40A5-8E35-D9084CE66F9E}" type="datetimeFigureOut">
               <a:rPr lang="en-NZ" smtClean="0"/>
-              <a:t>12/01/2023</a:t>
+              <a:t>20/01/2023</a:t>
             </a:fld>
             <a:endParaRPr lang="en-NZ"/>
           </a:p>
@@ -1221,7 +1500,7 @@
           <a:p>
             <a:fld id="{EC16A94B-6FCC-40A5-8E35-D9084CE66F9E}" type="datetimeFigureOut">
               <a:rPr lang="en-NZ" smtClean="0"/>
-              <a:t>12/01/2023</a:t>
+              <a:t>20/01/2023</a:t>
             </a:fld>
             <a:endParaRPr lang="en-NZ"/>
           </a:p>
@@ -1431,7 +1710,7 @@
           <a:p>
             <a:fld id="{EC16A94B-6FCC-40A5-8E35-D9084CE66F9E}" type="datetimeFigureOut">
               <a:rPr lang="en-NZ" smtClean="0"/>
-              <a:t>12/01/2023</a:t>
+              <a:t>20/01/2023</a:t>
             </a:fld>
             <a:endParaRPr lang="en-NZ"/>
           </a:p>
@@ -1631,7 +1910,7 @@
           <a:p>
             <a:fld id="{EC16A94B-6FCC-40A5-8E35-D9084CE66F9E}" type="datetimeFigureOut">
               <a:rPr lang="en-NZ" smtClean="0"/>
-              <a:t>12/01/2023</a:t>
+              <a:t>20/01/2023</a:t>
             </a:fld>
             <a:endParaRPr lang="en-NZ"/>
           </a:p>
@@ -1907,7 +2186,7 @@
           <a:p>
             <a:fld id="{EC16A94B-6FCC-40A5-8E35-D9084CE66F9E}" type="datetimeFigureOut">
               <a:rPr lang="en-NZ" smtClean="0"/>
-              <a:t>12/01/2023</a:t>
+              <a:t>20/01/2023</a:t>
             </a:fld>
             <a:endParaRPr lang="en-NZ"/>
           </a:p>
@@ -2175,7 +2454,7 @@
           <a:p>
             <a:fld id="{EC16A94B-6FCC-40A5-8E35-D9084CE66F9E}" type="datetimeFigureOut">
               <a:rPr lang="en-NZ" smtClean="0"/>
-              <a:t>12/01/2023</a:t>
+              <a:t>20/01/2023</a:t>
             </a:fld>
             <a:endParaRPr lang="en-NZ"/>
           </a:p>
@@ -2590,7 +2869,7 @@
           <a:p>
             <a:fld id="{EC16A94B-6FCC-40A5-8E35-D9084CE66F9E}" type="datetimeFigureOut">
               <a:rPr lang="en-NZ" smtClean="0"/>
-              <a:t>12/01/2023</a:t>
+              <a:t>20/01/2023</a:t>
             </a:fld>
             <a:endParaRPr lang="en-NZ"/>
           </a:p>
@@ -2732,7 +3011,7 @@
           <a:p>
             <a:fld id="{EC16A94B-6FCC-40A5-8E35-D9084CE66F9E}" type="datetimeFigureOut">
               <a:rPr lang="en-NZ" smtClean="0"/>
-              <a:t>12/01/2023</a:t>
+              <a:t>20/01/2023</a:t>
             </a:fld>
             <a:endParaRPr lang="en-NZ"/>
           </a:p>
@@ -2845,7 +3124,7 @@
           <a:p>
             <a:fld id="{EC16A94B-6FCC-40A5-8E35-D9084CE66F9E}" type="datetimeFigureOut">
               <a:rPr lang="en-NZ" smtClean="0"/>
-              <a:t>12/01/2023</a:t>
+              <a:t>20/01/2023</a:t>
             </a:fld>
             <a:endParaRPr lang="en-NZ"/>
           </a:p>
@@ -3158,7 +3437,7 @@
           <a:p>
             <a:fld id="{EC16A94B-6FCC-40A5-8E35-D9084CE66F9E}" type="datetimeFigureOut">
               <a:rPr lang="en-NZ" smtClean="0"/>
-              <a:t>12/01/2023</a:t>
+              <a:t>20/01/2023</a:t>
             </a:fld>
             <a:endParaRPr lang="en-NZ"/>
           </a:p>
@@ -3447,7 +3726,7 @@
           <a:p>
             <a:fld id="{EC16A94B-6FCC-40A5-8E35-D9084CE66F9E}" type="datetimeFigureOut">
               <a:rPr lang="en-NZ" smtClean="0"/>
-              <a:t>12/01/2023</a:t>
+              <a:t>20/01/2023</a:t>
             </a:fld>
             <a:endParaRPr lang="en-NZ"/>
           </a:p>
@@ -3690,7 +3969,7 @@
           <a:p>
             <a:fld id="{EC16A94B-6FCC-40A5-8E35-D9084CE66F9E}" type="datetimeFigureOut">
               <a:rPr lang="en-NZ" smtClean="0"/>
-              <a:t>12/01/2023</a:t>
+              <a:t>20/01/2023</a:t>
             </a:fld>
             <a:endParaRPr lang="en-NZ"/>
           </a:p>
@@ -4480,6 +4759,952 @@
 </p:sld>
 </file>
 
+<file path=ppt/slides/slide10.xml><?xml version="1.0" encoding="utf-8"?>
+<p:sld xmlns:a="http://schemas.openxmlformats.org/drawingml/2006/main" xmlns:r="http://schemas.openxmlformats.org/officeDocument/2006/relationships" xmlns:p="http://schemas.openxmlformats.org/presentationml/2006/main">
+  <p:cSld>
+    <p:spTree>
+      <p:nvGrpSpPr>
+        <p:cNvPr id="1" name=""/>
+        <p:cNvGrpSpPr/>
+        <p:nvPr/>
+      </p:nvGrpSpPr>
+      <p:grpSpPr>
+        <a:xfrm>
+          <a:off x="0" y="0"/>
+          <a:ext cx="0" cy="0"/>
+          <a:chOff x="0" y="0"/>
+          <a:chExt cx="0" cy="0"/>
+        </a:xfrm>
+      </p:grpSpPr>
+      <p:sp>
+        <p:nvSpPr>
+          <p:cNvPr id="17" name="Oval 16">
+            <a:extLst>
+              <a:ext uri="{FF2B5EF4-FFF2-40B4-BE49-F238E27FC236}">
+                <a16:creationId xmlns:a16="http://schemas.microsoft.com/office/drawing/2014/main" id="{0A3E6A86-E54F-15C2-ABB4-B75601D24F6A}"/>
+              </a:ext>
+            </a:extLst>
+          </p:cNvPr>
+          <p:cNvSpPr/>
+          <p:nvPr/>
+        </p:nvSpPr>
+        <p:spPr>
+          <a:xfrm>
+            <a:off x="5205161" y="3678556"/>
+            <a:ext cx="1284514" cy="670560"/>
+          </a:xfrm>
+          <a:prstGeom prst="ellipse">
+            <a:avLst/>
+          </a:prstGeom>
+        </p:spPr>
+        <p:style>
+          <a:lnRef idx="2">
+            <a:schemeClr val="accent1">
+              <a:shade val="50000"/>
+            </a:schemeClr>
+          </a:lnRef>
+          <a:fillRef idx="1">
+            <a:schemeClr val="accent1"/>
+          </a:fillRef>
+          <a:effectRef idx="0">
+            <a:schemeClr val="accent1"/>
+          </a:effectRef>
+          <a:fontRef idx="minor">
+            <a:schemeClr val="lt1"/>
+          </a:fontRef>
+        </p:style>
+        <p:txBody>
+          <a:bodyPr rtlCol="0" anchor="ctr"/>
+          <a:lstStyle/>
+          <a:p>
+            <a:pPr algn="ctr"/>
+            <a:endParaRPr lang="en-NZ"/>
+          </a:p>
+        </p:txBody>
+      </p:sp>
+      <p:sp>
+        <p:nvSpPr>
+          <p:cNvPr id="18" name="TextBox 17">
+            <a:extLst>
+              <a:ext uri="{FF2B5EF4-FFF2-40B4-BE49-F238E27FC236}">
+                <a16:creationId xmlns:a16="http://schemas.microsoft.com/office/drawing/2014/main" id="{75FB5CBD-3C9F-1EAF-BEAC-F8FEDEEA5F54}"/>
+              </a:ext>
+            </a:extLst>
+          </p:cNvPr>
+          <p:cNvSpPr txBox="1"/>
+          <p:nvPr/>
+        </p:nvSpPr>
+        <p:spPr>
+          <a:xfrm>
+            <a:off x="6517000" y="3583966"/>
+            <a:ext cx="5293999" cy="1754326"/>
+          </a:xfrm>
+          <a:prstGeom prst="rect">
+            <a:avLst/>
+          </a:prstGeom>
+          <a:noFill/>
+        </p:spPr>
+        <p:txBody>
+          <a:bodyPr wrap="square" rtlCol="0">
+            <a:spAutoFit/>
+          </a:bodyPr>
+          <a:lstStyle/>
+          <a:p>
+            <a:r>
+              <a:rPr lang="en-NZ" dirty="0"/>
+              <a:t>Select rows of invasion probability matrix for source farms* and columns of invasion matrix for sink farms</a:t>
+            </a:r>
+          </a:p>
+          <a:p>
+            <a:r>
+              <a:rPr lang="en-NZ" dirty="0"/>
+              <a:t>*NB: in current cross-region implementation  source farms are in columns. However in </a:t>
+            </a:r>
+            <a:r>
+              <a:rPr lang="en-NZ" dirty="0" err="1"/>
+              <a:t>INAscene</a:t>
+            </a:r>
+            <a:r>
+              <a:rPr lang="en-NZ" dirty="0"/>
+              <a:t> source farms are always in rows. Keep this notation for work flow overview</a:t>
+            </a:r>
+          </a:p>
+        </p:txBody>
+      </p:sp>
+      <p:sp>
+        <p:nvSpPr>
+          <p:cNvPr id="19" name="Rectangle 18">
+            <a:extLst>
+              <a:ext uri="{FF2B5EF4-FFF2-40B4-BE49-F238E27FC236}">
+                <a16:creationId xmlns:a16="http://schemas.microsoft.com/office/drawing/2014/main" id="{73345D85-BEE3-3031-D3D1-DC1FF8168C47}"/>
+              </a:ext>
+            </a:extLst>
+          </p:cNvPr>
+          <p:cNvSpPr/>
+          <p:nvPr/>
+        </p:nvSpPr>
+        <p:spPr>
+          <a:xfrm>
+            <a:off x="5241083" y="5385881"/>
+            <a:ext cx="1210492" cy="680902"/>
+          </a:xfrm>
+          <a:prstGeom prst="rect">
+            <a:avLst/>
+          </a:prstGeom>
+        </p:spPr>
+        <p:style>
+          <a:lnRef idx="2">
+            <a:schemeClr val="accent1">
+              <a:shade val="50000"/>
+            </a:schemeClr>
+          </a:lnRef>
+          <a:fillRef idx="1">
+            <a:schemeClr val="accent1"/>
+          </a:fillRef>
+          <a:effectRef idx="0">
+            <a:schemeClr val="accent1"/>
+          </a:effectRef>
+          <a:fontRef idx="minor">
+            <a:schemeClr val="lt1"/>
+          </a:fontRef>
+        </p:style>
+        <p:txBody>
+          <a:bodyPr rtlCol="0" anchor="ctr"/>
+          <a:lstStyle/>
+          <a:p>
+            <a:pPr algn="ctr"/>
+            <a:endParaRPr lang="en-NZ"/>
+          </a:p>
+        </p:txBody>
+      </p:sp>
+      <p:sp>
+        <p:nvSpPr>
+          <p:cNvPr id="20" name="TextBox 19">
+            <a:extLst>
+              <a:ext uri="{FF2B5EF4-FFF2-40B4-BE49-F238E27FC236}">
+                <a16:creationId xmlns:a16="http://schemas.microsoft.com/office/drawing/2014/main" id="{4CD5B9CE-DAEF-D55B-CF34-3D0925046FF9}"/>
+              </a:ext>
+            </a:extLst>
+          </p:cNvPr>
+          <p:cNvSpPr txBox="1"/>
+          <p:nvPr/>
+        </p:nvSpPr>
+        <p:spPr>
+          <a:xfrm>
+            <a:off x="6560544" y="5425243"/>
+            <a:ext cx="2313045" cy="646331"/>
+          </a:xfrm>
+          <a:prstGeom prst="rect">
+            <a:avLst/>
+          </a:prstGeom>
+          <a:noFill/>
+        </p:spPr>
+        <p:txBody>
+          <a:bodyPr wrap="square" rtlCol="0">
+            <a:spAutoFit/>
+          </a:bodyPr>
+          <a:lstStyle/>
+          <a:p>
+            <a:r>
+              <a:rPr lang="en-NZ" dirty="0"/>
+              <a:t>Source-sink invasion probability matrix</a:t>
+            </a:r>
+          </a:p>
+        </p:txBody>
+      </p:sp>
+      <p:sp>
+        <p:nvSpPr>
+          <p:cNvPr id="21" name="Rectangle 20">
+            <a:extLst>
+              <a:ext uri="{FF2B5EF4-FFF2-40B4-BE49-F238E27FC236}">
+                <a16:creationId xmlns:a16="http://schemas.microsoft.com/office/drawing/2014/main" id="{22212DB4-D2C3-E86B-E0D6-F222EF2BB34C}"/>
+              </a:ext>
+            </a:extLst>
+          </p:cNvPr>
+          <p:cNvSpPr/>
+          <p:nvPr/>
+        </p:nvSpPr>
+        <p:spPr>
+          <a:xfrm>
+            <a:off x="3385521" y="2608257"/>
+            <a:ext cx="1210492" cy="680902"/>
+          </a:xfrm>
+          <a:prstGeom prst="rect">
+            <a:avLst/>
+          </a:prstGeom>
+        </p:spPr>
+        <p:style>
+          <a:lnRef idx="2">
+            <a:schemeClr val="accent1">
+              <a:shade val="50000"/>
+            </a:schemeClr>
+          </a:lnRef>
+          <a:fillRef idx="1">
+            <a:schemeClr val="accent1"/>
+          </a:fillRef>
+          <a:effectRef idx="0">
+            <a:schemeClr val="accent1"/>
+          </a:effectRef>
+          <a:fontRef idx="minor">
+            <a:schemeClr val="lt1"/>
+          </a:fontRef>
+        </p:style>
+        <p:txBody>
+          <a:bodyPr rtlCol="0" anchor="ctr"/>
+          <a:lstStyle/>
+          <a:p>
+            <a:pPr algn="ctr"/>
+            <a:endParaRPr lang="en-NZ"/>
+          </a:p>
+        </p:txBody>
+      </p:sp>
+      <p:sp>
+        <p:nvSpPr>
+          <p:cNvPr id="22" name="TextBox 21">
+            <a:extLst>
+              <a:ext uri="{FF2B5EF4-FFF2-40B4-BE49-F238E27FC236}">
+                <a16:creationId xmlns:a16="http://schemas.microsoft.com/office/drawing/2014/main" id="{82FAE493-DBB1-5977-BEFB-289A4AD9BDAB}"/>
+              </a:ext>
+            </a:extLst>
+          </p:cNvPr>
+          <p:cNvSpPr txBox="1"/>
+          <p:nvPr/>
+        </p:nvSpPr>
+        <p:spPr>
+          <a:xfrm>
+            <a:off x="783771" y="2487043"/>
+            <a:ext cx="2537685" cy="646331"/>
+          </a:xfrm>
+          <a:prstGeom prst="rect">
+            <a:avLst/>
+          </a:prstGeom>
+          <a:noFill/>
+        </p:spPr>
+        <p:txBody>
+          <a:bodyPr wrap="square" rtlCol="0">
+            <a:spAutoFit/>
+          </a:bodyPr>
+          <a:lstStyle/>
+          <a:p>
+            <a:r>
+              <a:rPr lang="en-NZ" dirty="0"/>
+              <a:t>Potentially invaded properties: source region</a:t>
+            </a:r>
+          </a:p>
+        </p:txBody>
+      </p:sp>
+      <p:sp>
+        <p:nvSpPr>
+          <p:cNvPr id="25" name="TextBox 24">
+            <a:extLst>
+              <a:ext uri="{FF2B5EF4-FFF2-40B4-BE49-F238E27FC236}">
+                <a16:creationId xmlns:a16="http://schemas.microsoft.com/office/drawing/2014/main" id="{27FA5BD0-4818-1DED-580D-FB84FAC60056}"/>
+              </a:ext>
+            </a:extLst>
+          </p:cNvPr>
+          <p:cNvSpPr txBox="1"/>
+          <p:nvPr/>
+        </p:nvSpPr>
+        <p:spPr>
+          <a:xfrm>
+            <a:off x="2235200" y="-56118"/>
+            <a:ext cx="7199086" cy="1077218"/>
+          </a:xfrm>
+          <a:prstGeom prst="rect">
+            <a:avLst/>
+          </a:prstGeom>
+          <a:noFill/>
+        </p:spPr>
+        <p:txBody>
+          <a:bodyPr wrap="square" rtlCol="0">
+            <a:spAutoFit/>
+          </a:bodyPr>
+          <a:lstStyle/>
+          <a:p>
+            <a:pPr algn="ctr"/>
+            <a:r>
+              <a:rPr lang="en-NZ" sz="3200" dirty="0"/>
+              <a:t>Estimate invasion risk from hypothetical or external source: cross-region example</a:t>
+            </a:r>
+          </a:p>
+        </p:txBody>
+      </p:sp>
+      <p:cxnSp>
+        <p:nvCxnSpPr>
+          <p:cNvPr id="27" name="Straight Arrow Connector 26">
+            <a:extLst>
+              <a:ext uri="{FF2B5EF4-FFF2-40B4-BE49-F238E27FC236}">
+                <a16:creationId xmlns:a16="http://schemas.microsoft.com/office/drawing/2014/main" id="{FC19612E-1794-79D0-9BF7-2337B1E99DFB}"/>
+              </a:ext>
+            </a:extLst>
+          </p:cNvPr>
+          <p:cNvCxnSpPr>
+            <a:cxnSpLocks/>
+            <a:stCxn id="21" idx="2"/>
+            <a:endCxn id="17" idx="0"/>
+          </p:cNvCxnSpPr>
+          <p:nvPr/>
+        </p:nvCxnSpPr>
+        <p:spPr>
+          <a:xfrm>
+            <a:off x="3990767" y="3289159"/>
+            <a:ext cx="1856651" cy="389397"/>
+          </a:xfrm>
+          <a:prstGeom prst="straightConnector1">
+            <a:avLst/>
+          </a:prstGeom>
+          <a:ln>
+            <a:tailEnd type="triangle"/>
+          </a:ln>
+        </p:spPr>
+        <p:style>
+          <a:lnRef idx="1">
+            <a:schemeClr val="accent1"/>
+          </a:lnRef>
+          <a:fillRef idx="0">
+            <a:schemeClr val="accent1"/>
+          </a:fillRef>
+          <a:effectRef idx="0">
+            <a:schemeClr val="accent1"/>
+          </a:effectRef>
+          <a:fontRef idx="minor">
+            <a:schemeClr val="tx1"/>
+          </a:fontRef>
+        </p:style>
+      </p:cxnSp>
+      <p:cxnSp>
+        <p:nvCxnSpPr>
+          <p:cNvPr id="29" name="Straight Arrow Connector 28">
+            <a:extLst>
+              <a:ext uri="{FF2B5EF4-FFF2-40B4-BE49-F238E27FC236}">
+                <a16:creationId xmlns:a16="http://schemas.microsoft.com/office/drawing/2014/main" id="{A6452BD3-9AF0-24E7-F403-C1B355016F5C}"/>
+              </a:ext>
+            </a:extLst>
+          </p:cNvPr>
+          <p:cNvCxnSpPr>
+            <a:cxnSpLocks/>
+            <a:stCxn id="2" idx="2"/>
+            <a:endCxn id="17" idx="0"/>
+          </p:cNvCxnSpPr>
+          <p:nvPr/>
+        </p:nvCxnSpPr>
+        <p:spPr>
+          <a:xfrm flipH="1">
+            <a:off x="5847418" y="3312548"/>
+            <a:ext cx="1274829" cy="366008"/>
+          </a:xfrm>
+          <a:prstGeom prst="straightConnector1">
+            <a:avLst/>
+          </a:prstGeom>
+          <a:ln>
+            <a:tailEnd type="triangle"/>
+          </a:ln>
+        </p:spPr>
+        <p:style>
+          <a:lnRef idx="1">
+            <a:schemeClr val="accent1"/>
+          </a:lnRef>
+          <a:fillRef idx="0">
+            <a:schemeClr val="accent1"/>
+          </a:fillRef>
+          <a:effectRef idx="0">
+            <a:schemeClr val="accent1"/>
+          </a:effectRef>
+          <a:fontRef idx="minor">
+            <a:schemeClr val="tx1"/>
+          </a:fontRef>
+        </p:style>
+      </p:cxnSp>
+      <p:cxnSp>
+        <p:nvCxnSpPr>
+          <p:cNvPr id="31" name="Straight Arrow Connector 30">
+            <a:extLst>
+              <a:ext uri="{FF2B5EF4-FFF2-40B4-BE49-F238E27FC236}">
+                <a16:creationId xmlns:a16="http://schemas.microsoft.com/office/drawing/2014/main" id="{F3CFC76C-B4A3-5233-9A60-EC7DACA032D9}"/>
+              </a:ext>
+            </a:extLst>
+          </p:cNvPr>
+          <p:cNvCxnSpPr>
+            <a:cxnSpLocks/>
+            <a:stCxn id="17" idx="4"/>
+            <a:endCxn id="19" idx="0"/>
+          </p:cNvCxnSpPr>
+          <p:nvPr/>
+        </p:nvCxnSpPr>
+        <p:spPr>
+          <a:xfrm flipH="1">
+            <a:off x="5846329" y="4349116"/>
+            <a:ext cx="1089" cy="1036765"/>
+          </a:xfrm>
+          <a:prstGeom prst="straightConnector1">
+            <a:avLst/>
+          </a:prstGeom>
+          <a:ln>
+            <a:tailEnd type="triangle"/>
+          </a:ln>
+        </p:spPr>
+        <p:style>
+          <a:lnRef idx="1">
+            <a:schemeClr val="accent1"/>
+          </a:lnRef>
+          <a:fillRef idx="0">
+            <a:schemeClr val="accent1"/>
+          </a:fillRef>
+          <a:effectRef idx="0">
+            <a:schemeClr val="accent1"/>
+          </a:effectRef>
+          <a:fontRef idx="minor">
+            <a:schemeClr val="tx1"/>
+          </a:fontRef>
+        </p:style>
+      </p:cxnSp>
+      <p:sp>
+        <p:nvSpPr>
+          <p:cNvPr id="2" name="Rectangle 1">
+            <a:extLst>
+              <a:ext uri="{FF2B5EF4-FFF2-40B4-BE49-F238E27FC236}">
+                <a16:creationId xmlns:a16="http://schemas.microsoft.com/office/drawing/2014/main" id="{73F47B11-9DE0-92CB-7B25-924A0FFAABFF}"/>
+              </a:ext>
+            </a:extLst>
+          </p:cNvPr>
+          <p:cNvSpPr/>
+          <p:nvPr/>
+        </p:nvSpPr>
+        <p:spPr>
+          <a:xfrm>
+            <a:off x="6517001" y="2631646"/>
+            <a:ext cx="1210492" cy="680902"/>
+          </a:xfrm>
+          <a:prstGeom prst="rect">
+            <a:avLst/>
+          </a:prstGeom>
+        </p:spPr>
+        <p:style>
+          <a:lnRef idx="2">
+            <a:schemeClr val="accent1">
+              <a:shade val="50000"/>
+            </a:schemeClr>
+          </a:lnRef>
+          <a:fillRef idx="1">
+            <a:schemeClr val="accent1"/>
+          </a:fillRef>
+          <a:effectRef idx="0">
+            <a:schemeClr val="accent1"/>
+          </a:effectRef>
+          <a:fontRef idx="minor">
+            <a:schemeClr val="lt1"/>
+          </a:fontRef>
+        </p:style>
+        <p:txBody>
+          <a:bodyPr rtlCol="0" anchor="ctr"/>
+          <a:lstStyle/>
+          <a:p>
+            <a:pPr algn="ctr"/>
+            <a:endParaRPr lang="en-NZ"/>
+          </a:p>
+        </p:txBody>
+      </p:sp>
+      <p:sp>
+        <p:nvSpPr>
+          <p:cNvPr id="3" name="TextBox 2">
+            <a:extLst>
+              <a:ext uri="{FF2B5EF4-FFF2-40B4-BE49-F238E27FC236}">
+                <a16:creationId xmlns:a16="http://schemas.microsoft.com/office/drawing/2014/main" id="{9E3671C6-B5BF-5138-EF28-33ABF803403D}"/>
+              </a:ext>
+            </a:extLst>
+          </p:cNvPr>
+          <p:cNvSpPr txBox="1"/>
+          <p:nvPr/>
+        </p:nvSpPr>
+        <p:spPr>
+          <a:xfrm>
+            <a:off x="7836462" y="2671008"/>
+            <a:ext cx="2313045" cy="646331"/>
+          </a:xfrm>
+          <a:prstGeom prst="rect">
+            <a:avLst/>
+          </a:prstGeom>
+          <a:noFill/>
+        </p:spPr>
+        <p:txBody>
+          <a:bodyPr wrap="square" rtlCol="0">
+            <a:spAutoFit/>
+          </a:bodyPr>
+          <a:lstStyle/>
+          <a:p>
+            <a:r>
+              <a:rPr lang="en-NZ" dirty="0"/>
+              <a:t>Potentially invaded properties: sink region</a:t>
+            </a:r>
+          </a:p>
+        </p:txBody>
+      </p:sp>
+      <p:sp>
+        <p:nvSpPr>
+          <p:cNvPr id="5" name="Rectangle 4">
+            <a:extLst>
+              <a:ext uri="{FF2B5EF4-FFF2-40B4-BE49-F238E27FC236}">
+                <a16:creationId xmlns:a16="http://schemas.microsoft.com/office/drawing/2014/main" id="{3F3B93BB-9F3C-8FBF-B9D5-319822B446D7}"/>
+              </a:ext>
+            </a:extLst>
+          </p:cNvPr>
+          <p:cNvSpPr/>
+          <p:nvPr/>
+        </p:nvSpPr>
+        <p:spPr>
+          <a:xfrm>
+            <a:off x="5241083" y="1544946"/>
+            <a:ext cx="1210492" cy="680902"/>
+          </a:xfrm>
+          <a:prstGeom prst="rect">
+            <a:avLst/>
+          </a:prstGeom>
+        </p:spPr>
+        <p:style>
+          <a:lnRef idx="2">
+            <a:schemeClr val="accent1">
+              <a:shade val="50000"/>
+            </a:schemeClr>
+          </a:lnRef>
+          <a:fillRef idx="1">
+            <a:schemeClr val="accent1"/>
+          </a:fillRef>
+          <a:effectRef idx="0">
+            <a:schemeClr val="accent1"/>
+          </a:effectRef>
+          <a:fontRef idx="minor">
+            <a:schemeClr val="lt1"/>
+          </a:fontRef>
+        </p:style>
+        <p:txBody>
+          <a:bodyPr rtlCol="0" anchor="ctr"/>
+          <a:lstStyle/>
+          <a:p>
+            <a:pPr algn="ctr"/>
+            <a:endParaRPr lang="en-NZ"/>
+          </a:p>
+        </p:txBody>
+      </p:sp>
+      <p:sp>
+        <p:nvSpPr>
+          <p:cNvPr id="6" name="TextBox 5">
+            <a:extLst>
+              <a:ext uri="{FF2B5EF4-FFF2-40B4-BE49-F238E27FC236}">
+                <a16:creationId xmlns:a16="http://schemas.microsoft.com/office/drawing/2014/main" id="{19CF2FCA-E969-FECE-CF33-7D63802617B6}"/>
+              </a:ext>
+            </a:extLst>
+          </p:cNvPr>
+          <p:cNvSpPr txBox="1"/>
+          <p:nvPr/>
+        </p:nvSpPr>
+        <p:spPr>
+          <a:xfrm>
+            <a:off x="4809202" y="851285"/>
+            <a:ext cx="2313045" cy="646331"/>
+          </a:xfrm>
+          <a:prstGeom prst="rect">
+            <a:avLst/>
+          </a:prstGeom>
+          <a:noFill/>
+        </p:spPr>
+        <p:txBody>
+          <a:bodyPr wrap="square" rtlCol="0">
+            <a:spAutoFit/>
+          </a:bodyPr>
+          <a:lstStyle/>
+          <a:p>
+            <a:r>
+              <a:rPr lang="en-NZ" dirty="0"/>
+              <a:t>Property invasion probability matrix</a:t>
+            </a:r>
+          </a:p>
+        </p:txBody>
+      </p:sp>
+      <p:cxnSp>
+        <p:nvCxnSpPr>
+          <p:cNvPr id="8" name="Straight Arrow Connector 7">
+            <a:extLst>
+              <a:ext uri="{FF2B5EF4-FFF2-40B4-BE49-F238E27FC236}">
+                <a16:creationId xmlns:a16="http://schemas.microsoft.com/office/drawing/2014/main" id="{5FBB6AE4-2723-E7F7-89FB-32A77611D417}"/>
+              </a:ext>
+            </a:extLst>
+          </p:cNvPr>
+          <p:cNvCxnSpPr>
+            <a:stCxn id="5" idx="2"/>
+            <a:endCxn id="17" idx="0"/>
+          </p:cNvCxnSpPr>
+          <p:nvPr/>
+        </p:nvCxnSpPr>
+        <p:spPr>
+          <a:xfrm>
+            <a:off x="5846329" y="2225848"/>
+            <a:ext cx="1089" cy="1452708"/>
+          </a:xfrm>
+          <a:prstGeom prst="straightConnector1">
+            <a:avLst/>
+          </a:prstGeom>
+          <a:ln>
+            <a:tailEnd type="triangle"/>
+          </a:ln>
+        </p:spPr>
+        <p:style>
+          <a:lnRef idx="1">
+            <a:schemeClr val="accent1"/>
+          </a:lnRef>
+          <a:fillRef idx="0">
+            <a:schemeClr val="accent1"/>
+          </a:fillRef>
+          <a:effectRef idx="0">
+            <a:schemeClr val="accent1"/>
+          </a:effectRef>
+          <a:fontRef idx="minor">
+            <a:schemeClr val="tx1"/>
+          </a:fontRef>
+        </p:style>
+      </p:cxnSp>
+      <p:sp>
+        <p:nvSpPr>
+          <p:cNvPr id="14" name="Oval 13">
+            <a:extLst>
+              <a:ext uri="{FF2B5EF4-FFF2-40B4-BE49-F238E27FC236}">
+                <a16:creationId xmlns:a16="http://schemas.microsoft.com/office/drawing/2014/main" id="{8D7F3FED-B87F-2C55-F369-983A3B0317D0}"/>
+              </a:ext>
+            </a:extLst>
+          </p:cNvPr>
+          <p:cNvSpPr/>
+          <p:nvPr/>
+        </p:nvSpPr>
+        <p:spPr>
+          <a:xfrm>
+            <a:off x="5204072" y="6858000"/>
+            <a:ext cx="1284514" cy="670560"/>
+          </a:xfrm>
+          <a:prstGeom prst="ellipse">
+            <a:avLst/>
+          </a:prstGeom>
+        </p:spPr>
+        <p:style>
+          <a:lnRef idx="2">
+            <a:schemeClr val="accent1">
+              <a:shade val="50000"/>
+            </a:schemeClr>
+          </a:lnRef>
+          <a:fillRef idx="1">
+            <a:schemeClr val="accent1"/>
+          </a:fillRef>
+          <a:effectRef idx="0">
+            <a:schemeClr val="accent1"/>
+          </a:effectRef>
+          <a:fontRef idx="minor">
+            <a:schemeClr val="lt1"/>
+          </a:fontRef>
+        </p:style>
+        <p:txBody>
+          <a:bodyPr rtlCol="0" anchor="ctr"/>
+          <a:lstStyle/>
+          <a:p>
+            <a:pPr algn="ctr"/>
+            <a:endParaRPr lang="en-NZ"/>
+          </a:p>
+        </p:txBody>
+      </p:sp>
+      <p:sp>
+        <p:nvSpPr>
+          <p:cNvPr id="15" name="TextBox 14">
+            <a:extLst>
+              <a:ext uri="{FF2B5EF4-FFF2-40B4-BE49-F238E27FC236}">
+                <a16:creationId xmlns:a16="http://schemas.microsoft.com/office/drawing/2014/main" id="{0A8FE561-9608-D3C2-6B9C-9FD11AF2CE7C}"/>
+              </a:ext>
+            </a:extLst>
+          </p:cNvPr>
+          <p:cNvSpPr txBox="1"/>
+          <p:nvPr/>
+        </p:nvSpPr>
+        <p:spPr>
+          <a:xfrm>
+            <a:off x="6517001" y="6526014"/>
+            <a:ext cx="6055999" cy="1200329"/>
+          </a:xfrm>
+          <a:prstGeom prst="rect">
+            <a:avLst/>
+          </a:prstGeom>
+          <a:noFill/>
+        </p:spPr>
+        <p:txBody>
+          <a:bodyPr wrap="square" rtlCol="0">
+            <a:spAutoFit/>
+          </a:bodyPr>
+          <a:lstStyle/>
+          <a:p>
+            <a:r>
+              <a:rPr lang="en-NZ" dirty="0"/>
+              <a:t>Calculate column sums*</a:t>
+            </a:r>
+          </a:p>
+          <a:p>
+            <a:r>
+              <a:rPr lang="en-NZ" dirty="0"/>
+              <a:t>* NB: in current cross-region implementation sink farms are in rows. However in </a:t>
+            </a:r>
+            <a:r>
+              <a:rPr lang="en-NZ" dirty="0" err="1"/>
+              <a:t>INAscene</a:t>
+            </a:r>
+            <a:r>
+              <a:rPr lang="en-NZ" dirty="0"/>
+              <a:t> sink farms are always in columns. Keep this notation for work flow overview</a:t>
+            </a:r>
+          </a:p>
+        </p:txBody>
+      </p:sp>
+      <p:cxnSp>
+        <p:nvCxnSpPr>
+          <p:cNvPr id="23" name="Straight Arrow Connector 22">
+            <a:extLst>
+              <a:ext uri="{FF2B5EF4-FFF2-40B4-BE49-F238E27FC236}">
+                <a16:creationId xmlns:a16="http://schemas.microsoft.com/office/drawing/2014/main" id="{6BCF3302-55B0-8708-47F4-119D8D9C5A52}"/>
+              </a:ext>
+            </a:extLst>
+          </p:cNvPr>
+          <p:cNvCxnSpPr>
+            <a:stCxn id="19" idx="2"/>
+            <a:endCxn id="14" idx="0"/>
+          </p:cNvCxnSpPr>
+          <p:nvPr/>
+        </p:nvCxnSpPr>
+        <p:spPr>
+          <a:xfrm>
+            <a:off x="5846329" y="6066783"/>
+            <a:ext cx="0" cy="791217"/>
+          </a:xfrm>
+          <a:prstGeom prst="straightConnector1">
+            <a:avLst/>
+          </a:prstGeom>
+          <a:ln>
+            <a:tailEnd type="triangle"/>
+          </a:ln>
+        </p:spPr>
+        <p:style>
+          <a:lnRef idx="1">
+            <a:schemeClr val="accent1"/>
+          </a:lnRef>
+          <a:fillRef idx="0">
+            <a:schemeClr val="accent1"/>
+          </a:fillRef>
+          <a:effectRef idx="0">
+            <a:schemeClr val="accent1"/>
+          </a:effectRef>
+          <a:fontRef idx="minor">
+            <a:schemeClr val="tx1"/>
+          </a:fontRef>
+        </p:style>
+      </p:cxnSp>
+      <p:sp>
+        <p:nvSpPr>
+          <p:cNvPr id="24" name="Rectangle 23">
+            <a:extLst>
+              <a:ext uri="{FF2B5EF4-FFF2-40B4-BE49-F238E27FC236}">
+                <a16:creationId xmlns:a16="http://schemas.microsoft.com/office/drawing/2014/main" id="{BAB8BEB1-3AA4-84C0-9C5F-F439E62A230B}"/>
+              </a:ext>
+            </a:extLst>
+          </p:cNvPr>
+          <p:cNvSpPr/>
+          <p:nvPr/>
+        </p:nvSpPr>
+        <p:spPr>
+          <a:xfrm>
+            <a:off x="5241083" y="8014382"/>
+            <a:ext cx="1210492" cy="680902"/>
+          </a:xfrm>
+          <a:prstGeom prst="rect">
+            <a:avLst/>
+          </a:prstGeom>
+        </p:spPr>
+        <p:style>
+          <a:lnRef idx="2">
+            <a:schemeClr val="accent1">
+              <a:shade val="50000"/>
+            </a:schemeClr>
+          </a:lnRef>
+          <a:fillRef idx="1">
+            <a:schemeClr val="accent1"/>
+          </a:fillRef>
+          <a:effectRef idx="0">
+            <a:schemeClr val="accent1"/>
+          </a:effectRef>
+          <a:fontRef idx="minor">
+            <a:schemeClr val="lt1"/>
+          </a:fontRef>
+        </p:style>
+        <p:txBody>
+          <a:bodyPr rtlCol="0" anchor="ctr"/>
+          <a:lstStyle/>
+          <a:p>
+            <a:pPr algn="ctr"/>
+            <a:endParaRPr lang="en-NZ"/>
+          </a:p>
+        </p:txBody>
+      </p:sp>
+      <p:sp>
+        <p:nvSpPr>
+          <p:cNvPr id="26" name="TextBox 25">
+            <a:extLst>
+              <a:ext uri="{FF2B5EF4-FFF2-40B4-BE49-F238E27FC236}">
+                <a16:creationId xmlns:a16="http://schemas.microsoft.com/office/drawing/2014/main" id="{5AF2E0B6-EF34-31B0-1DEC-D88EDA9A31B0}"/>
+              </a:ext>
+            </a:extLst>
+          </p:cNvPr>
+          <p:cNvSpPr txBox="1"/>
+          <p:nvPr/>
+        </p:nvSpPr>
+        <p:spPr>
+          <a:xfrm>
+            <a:off x="6560544" y="8053744"/>
+            <a:ext cx="2313045" cy="646331"/>
+          </a:xfrm>
+          <a:prstGeom prst="rect">
+            <a:avLst/>
+          </a:prstGeom>
+          <a:noFill/>
+        </p:spPr>
+        <p:txBody>
+          <a:bodyPr wrap="square" rtlCol="0">
+            <a:spAutoFit/>
+          </a:bodyPr>
+          <a:lstStyle/>
+          <a:p>
+            <a:r>
+              <a:rPr lang="en-NZ" dirty="0"/>
+              <a:t>Sink property invasion risk vector</a:t>
+            </a:r>
+          </a:p>
+        </p:txBody>
+      </p:sp>
+      <p:cxnSp>
+        <p:nvCxnSpPr>
+          <p:cNvPr id="30" name="Straight Arrow Connector 29">
+            <a:extLst>
+              <a:ext uri="{FF2B5EF4-FFF2-40B4-BE49-F238E27FC236}">
+                <a16:creationId xmlns:a16="http://schemas.microsoft.com/office/drawing/2014/main" id="{DA5E54A7-350F-1F39-C7EB-643193686584}"/>
+              </a:ext>
+            </a:extLst>
+          </p:cNvPr>
+          <p:cNvCxnSpPr>
+            <a:stCxn id="14" idx="4"/>
+            <a:endCxn id="24" idx="0"/>
+          </p:cNvCxnSpPr>
+          <p:nvPr/>
+        </p:nvCxnSpPr>
+        <p:spPr>
+          <a:xfrm>
+            <a:off x="5846329" y="7528560"/>
+            <a:ext cx="0" cy="485822"/>
+          </a:xfrm>
+          <a:prstGeom prst="straightConnector1">
+            <a:avLst/>
+          </a:prstGeom>
+          <a:ln>
+            <a:tailEnd type="triangle"/>
+          </a:ln>
+        </p:spPr>
+        <p:style>
+          <a:lnRef idx="1">
+            <a:schemeClr val="accent1"/>
+          </a:lnRef>
+          <a:fillRef idx="0">
+            <a:schemeClr val="accent1"/>
+          </a:fillRef>
+          <a:effectRef idx="0">
+            <a:schemeClr val="accent1"/>
+          </a:effectRef>
+          <a:fontRef idx="minor">
+            <a:schemeClr val="tx1"/>
+          </a:fontRef>
+        </p:style>
+      </p:cxnSp>
+    </p:spTree>
+    <p:extLst>
+      <p:ext uri="{BB962C8B-B14F-4D97-AF65-F5344CB8AC3E}">
+        <p14:creationId xmlns:p14="http://schemas.microsoft.com/office/powerpoint/2010/main" val="4225372331"/>
+      </p:ext>
+    </p:extLst>
+  </p:cSld>
+  <p:clrMapOvr>
+    <a:masterClrMapping/>
+  </p:clrMapOvr>
+</p:sld>
+</file>
+
+<file path=ppt/slides/slide11.xml><?xml version="1.0" encoding="utf-8"?>
+<p:sld xmlns:a="http://schemas.openxmlformats.org/drawingml/2006/main" xmlns:r="http://schemas.openxmlformats.org/officeDocument/2006/relationships" xmlns:p="http://schemas.openxmlformats.org/presentationml/2006/main">
+  <p:cSld>
+    <p:spTree>
+      <p:nvGrpSpPr>
+        <p:cNvPr id="1" name=""/>
+        <p:cNvGrpSpPr/>
+        <p:nvPr/>
+      </p:nvGrpSpPr>
+      <p:grpSpPr>
+        <a:xfrm>
+          <a:off x="0" y="0"/>
+          <a:ext cx="0" cy="0"/>
+          <a:chOff x="0" y="0"/>
+          <a:chExt cx="0" cy="0"/>
+        </a:xfrm>
+      </p:grpSpPr>
+    </p:spTree>
+    <p:extLst>
+      <p:ext uri="{BB962C8B-B14F-4D97-AF65-F5344CB8AC3E}">
+        <p14:creationId xmlns:p14="http://schemas.microsoft.com/office/powerpoint/2010/main" val="1023506575"/>
+      </p:ext>
+    </p:extLst>
+  </p:cSld>
+  <p:clrMapOvr>
+    <a:masterClrMapping/>
+  </p:clrMapOvr>
+</p:sld>
+</file>
+
 <file path=ppt/slides/slide2.xml><?xml version="1.0" encoding="utf-8"?>
 <p:sld xmlns:a="http://schemas.openxmlformats.org/drawingml/2006/main" xmlns:r="http://schemas.openxmlformats.org/officeDocument/2006/relationships" xmlns:p="http://schemas.openxmlformats.org/presentationml/2006/main">
   <p:cSld>
@@ -6968,8 +8193,8 @@
         </p:nvSpPr>
         <p:spPr>
           <a:xfrm>
-            <a:off x="5636566" y="2289428"/>
-            <a:ext cx="2741946" cy="1200329"/>
+            <a:off x="5636565" y="2289428"/>
+            <a:ext cx="3098131" cy="1200329"/>
           </a:xfrm>
           <a:prstGeom prst="rect">
             <a:avLst/>
@@ -6984,7 +8209,7 @@
           <a:p>
             <a:r>
               <a:rPr lang="en-NZ" dirty="0"/>
-              <a:t>Calculate relative long-distance dispersal (LDD) probability using cattle movements scaling factor</a:t>
+              <a:t>Calculate relative long-distance dispersal (LDD) probability using cattle movements as scaling factor</a:t>
             </a:r>
           </a:p>
         </p:txBody>
@@ -8366,8 +9591,8 @@
         </p:nvSpPr>
         <p:spPr>
           <a:xfrm>
-            <a:off x="4168506" y="0"/>
-            <a:ext cx="3854987" cy="1077218"/>
+            <a:off x="400594" y="0"/>
+            <a:ext cx="7622899" cy="1077218"/>
           </a:xfrm>
           <a:prstGeom prst="rect">
             <a:avLst/>
@@ -8383,7 +9608,14 @@
             <a:pPr algn="ctr"/>
             <a:r>
               <a:rPr lang="en-NZ" sz="3200" dirty="0"/>
-              <a:t>Invasion probability between properties</a:t>
+              <a:t>Invasion probability between properties:</a:t>
+            </a:r>
+          </a:p>
+          <a:p>
+            <a:pPr algn="ctr"/>
+            <a:r>
+              <a:rPr lang="en-NZ" sz="3200" dirty="0"/>
+              <a:t>Aka Biophysical adjacency matrix (BPAM)</a:t>
             </a:r>
           </a:p>
         </p:txBody>
@@ -8853,8 +10085,8 @@
         </p:nvSpPr>
         <p:spPr>
           <a:xfrm>
-            <a:off x="6570219" y="6099259"/>
-            <a:ext cx="2313045" cy="646331"/>
+            <a:off x="6478941" y="5822260"/>
+            <a:ext cx="2313045" cy="1200329"/>
           </a:xfrm>
           <a:prstGeom prst="rect">
             <a:avLst/>
@@ -8869,7 +10101,15 @@
           <a:p>
             <a:r>
               <a:rPr lang="en-NZ" dirty="0"/>
-              <a:t>Property invasion probability matrix</a:t>
+              <a:t>Property invasion probability matrix i.e. BPAM in </a:t>
+            </a:r>
+            <a:r>
+              <a:rPr lang="en-NZ" dirty="0" err="1"/>
+              <a:t>INAscene</a:t>
+            </a:r>
+            <a:r>
+              <a:rPr lang="en-NZ" dirty="0"/>
+              <a:t> function call</a:t>
             </a:r>
           </a:p>
         </p:txBody>
@@ -9117,10 +10357,53 @@
       </p:grpSpPr>
       <p:sp>
         <p:nvSpPr>
-          <p:cNvPr id="12" name="Flowchart: Magnetic Disk 11">
-            <a:extLst>
-              <a:ext uri="{FF2B5EF4-FFF2-40B4-BE49-F238E27FC236}">
-                <a16:creationId xmlns:a16="http://schemas.microsoft.com/office/drawing/2014/main" id="{A941DC81-5B1F-46B5-1057-59B8D344A675}"/>
+          <p:cNvPr id="2" name="TextBox 1">
+            <a:extLst>
+              <a:ext uri="{FF2B5EF4-FFF2-40B4-BE49-F238E27FC236}">
+                <a16:creationId xmlns:a16="http://schemas.microsoft.com/office/drawing/2014/main" id="{CAE5E915-DEF1-198A-C265-3128F3ADE322}"/>
+              </a:ext>
+            </a:extLst>
+          </p:cNvPr>
+          <p:cNvSpPr txBox="1"/>
+          <p:nvPr/>
+        </p:nvSpPr>
+        <p:spPr>
+          <a:xfrm>
+            <a:off x="2098768" y="165465"/>
+            <a:ext cx="7622899" cy="1569660"/>
+          </a:xfrm>
+          <a:prstGeom prst="rect">
+            <a:avLst/>
+          </a:prstGeom>
+          <a:noFill/>
+        </p:spPr>
+        <p:txBody>
+          <a:bodyPr wrap="square" rtlCol="0">
+            <a:spAutoFit/>
+          </a:bodyPr>
+          <a:lstStyle/>
+          <a:p>
+            <a:pPr algn="ctr"/>
+            <a:r>
+              <a:rPr lang="en-NZ" sz="3200" dirty="0"/>
+              <a:t>Information transfer probability between properties:</a:t>
+            </a:r>
+          </a:p>
+          <a:p>
+            <a:pPr algn="ctr"/>
+            <a:r>
+              <a:rPr lang="en-NZ" sz="3200" dirty="0"/>
+              <a:t>Aka Socioeconomic adjacency matrix (SEAM)</a:t>
+            </a:r>
+          </a:p>
+        </p:txBody>
+      </p:sp>
+      <p:sp>
+        <p:nvSpPr>
+          <p:cNvPr id="9" name="Rectangle 8">
+            <a:extLst>
+              <a:ext uri="{FF2B5EF4-FFF2-40B4-BE49-F238E27FC236}">
+                <a16:creationId xmlns:a16="http://schemas.microsoft.com/office/drawing/2014/main" id="{A3DD84D4-D75B-8A65-D2F6-62D894C74E2E}"/>
               </a:ext>
             </a:extLst>
           </p:cNvPr>
@@ -9129,10 +10412,10 @@
         </p:nvSpPr>
         <p:spPr>
           <a:xfrm>
-            <a:off x="6800607" y="1202679"/>
-            <a:ext cx="809897" cy="670560"/>
-          </a:xfrm>
-          <a:prstGeom prst="flowChartMagneticDisk">
+            <a:off x="4133546" y="2056896"/>
+            <a:ext cx="1210492" cy="680902"/>
+          </a:xfrm>
+          <a:prstGeom prst="rect">
             <a:avLst/>
           </a:prstGeom>
         </p:spPr>
@@ -9163,10 +10446,10 @@
       </p:sp>
       <p:sp>
         <p:nvSpPr>
-          <p:cNvPr id="13" name="TextBox 12">
-            <a:extLst>
-              <a:ext uri="{FF2B5EF4-FFF2-40B4-BE49-F238E27FC236}">
-                <a16:creationId xmlns:a16="http://schemas.microsoft.com/office/drawing/2014/main" id="{6093F917-C93E-46F1-ADE3-7203CE55C7EF}"/>
+          <p:cNvPr id="10" name="TextBox 9">
+            <a:extLst>
+              <a:ext uri="{FF2B5EF4-FFF2-40B4-BE49-F238E27FC236}">
+                <a16:creationId xmlns:a16="http://schemas.microsoft.com/office/drawing/2014/main" id="{81D445D4-0446-D4DC-BB40-0A32A0C4E9C6}"/>
               </a:ext>
             </a:extLst>
           </p:cNvPr>
@@ -9175,8 +10458,8 @@
         </p:nvSpPr>
         <p:spPr>
           <a:xfrm>
-            <a:off x="7738634" y="1226908"/>
-            <a:ext cx="1351190" cy="646331"/>
+            <a:off x="5627945" y="2074181"/>
+            <a:ext cx="2313045" cy="646331"/>
           </a:xfrm>
           <a:prstGeom prst="rect">
             <a:avLst/>
@@ -9191,17 +10474,17 @@
           <a:p>
             <a:r>
               <a:rPr lang="en-NZ" dirty="0"/>
-              <a:t>Initial pest occurrences</a:t>
-            </a:r>
-          </a:p>
-        </p:txBody>
-      </p:sp>
-      <p:sp>
-        <p:nvSpPr>
-          <p:cNvPr id="17" name="Oval 16">
-            <a:extLst>
-              <a:ext uri="{FF2B5EF4-FFF2-40B4-BE49-F238E27FC236}">
-                <a16:creationId xmlns:a16="http://schemas.microsoft.com/office/drawing/2014/main" id="{0A3E6A86-E54F-15C2-ABB4-B75601D24F6A}"/>
+              <a:t>Property distance matrix</a:t>
+            </a:r>
+          </a:p>
+        </p:txBody>
+      </p:sp>
+      <p:sp>
+        <p:nvSpPr>
+          <p:cNvPr id="24" name="Oval 23">
+            <a:extLst>
+              <a:ext uri="{FF2B5EF4-FFF2-40B4-BE49-F238E27FC236}">
+                <a16:creationId xmlns:a16="http://schemas.microsoft.com/office/drawing/2014/main" id="{CCF2FDEF-CBC6-7383-EC8C-067B64132A1B}"/>
               </a:ext>
             </a:extLst>
           </p:cNvPr>
@@ -9210,7 +10493,7 @@
         </p:nvSpPr>
         <p:spPr>
           <a:xfrm>
-            <a:off x="5152546" y="2212613"/>
+            <a:off x="4097379" y="3215242"/>
             <a:ext cx="1284514" cy="670560"/>
           </a:xfrm>
           <a:prstGeom prst="ellipse">
@@ -9244,45 +10527,10 @@
       </p:sp>
       <p:sp>
         <p:nvSpPr>
-          <p:cNvPr id="18" name="TextBox 17">
-            <a:extLst>
-              <a:ext uri="{FF2B5EF4-FFF2-40B4-BE49-F238E27FC236}">
-                <a16:creationId xmlns:a16="http://schemas.microsoft.com/office/drawing/2014/main" id="{75FB5CBD-3C9F-1EAF-BEAC-F8FEDEEA5F54}"/>
-              </a:ext>
-            </a:extLst>
-          </p:cNvPr>
-          <p:cNvSpPr txBox="1"/>
-          <p:nvPr/>
-        </p:nvSpPr>
-        <p:spPr>
-          <a:xfrm>
-            <a:off x="6502486" y="2118023"/>
-            <a:ext cx="2361347" cy="923330"/>
-          </a:xfrm>
-          <a:prstGeom prst="rect">
-            <a:avLst/>
-          </a:prstGeom>
-          <a:noFill/>
-        </p:spPr>
-        <p:txBody>
-          <a:bodyPr wrap="square" rtlCol="0">
-            <a:spAutoFit/>
-          </a:bodyPr>
-          <a:lstStyle/>
-          <a:p>
-            <a:r>
-              <a:rPr lang="en-NZ" dirty="0"/>
-              <a:t>Intersect occurrences with property boundaries</a:t>
-            </a:r>
-          </a:p>
-        </p:txBody>
-      </p:sp>
-      <p:sp>
-        <p:nvSpPr>
-          <p:cNvPr id="19" name="Rectangle 18">
-            <a:extLst>
-              <a:ext uri="{FF2B5EF4-FFF2-40B4-BE49-F238E27FC236}">
-                <a16:creationId xmlns:a16="http://schemas.microsoft.com/office/drawing/2014/main" id="{73345D85-BEE3-3031-D3D1-DC1FF8168C47}"/>
+          <p:cNvPr id="26" name="Rectangle 25">
+            <a:extLst>
+              <a:ext uri="{FF2B5EF4-FFF2-40B4-BE49-F238E27FC236}">
+                <a16:creationId xmlns:a16="http://schemas.microsoft.com/office/drawing/2014/main" id="{1D4725D2-3EB7-D712-736C-3CDAC15C103C}"/>
               </a:ext>
             </a:extLst>
           </p:cNvPr>
@@ -9291,7 +10539,7 @@
         </p:nvSpPr>
         <p:spPr>
           <a:xfrm>
-            <a:off x="5183025" y="3467138"/>
+            <a:off x="4144000" y="4941145"/>
             <a:ext cx="1210492" cy="680902"/>
           </a:xfrm>
           <a:prstGeom prst="rect">
@@ -9325,10 +10573,10 @@
       </p:sp>
       <p:sp>
         <p:nvSpPr>
-          <p:cNvPr id="20" name="TextBox 19">
-            <a:extLst>
-              <a:ext uri="{FF2B5EF4-FFF2-40B4-BE49-F238E27FC236}">
-                <a16:creationId xmlns:a16="http://schemas.microsoft.com/office/drawing/2014/main" id="{4CD5B9CE-DAEF-D55B-CF34-3D0925046FF9}"/>
+          <p:cNvPr id="27" name="TextBox 26">
+            <a:extLst>
+              <a:ext uri="{FF2B5EF4-FFF2-40B4-BE49-F238E27FC236}">
+                <a16:creationId xmlns:a16="http://schemas.microsoft.com/office/drawing/2014/main" id="{4D5AF505-1F9A-B0A1-DAD4-C6A1BB40AA2B}"/>
               </a:ext>
             </a:extLst>
           </p:cNvPr>
@@ -9337,8 +10585,8 @@
         </p:nvSpPr>
         <p:spPr>
           <a:xfrm>
-            <a:off x="6502486" y="3506500"/>
-            <a:ext cx="2313045" cy="646331"/>
+            <a:off x="5547121" y="4681431"/>
+            <a:ext cx="2313045" cy="1200329"/>
           </a:xfrm>
           <a:prstGeom prst="rect">
             <a:avLst/>
@@ -9353,147 +10601,38 @@
           <a:p>
             <a:r>
               <a:rPr lang="en-NZ" dirty="0"/>
-              <a:t>Initially infested properties</a:t>
-            </a:r>
-          </a:p>
-        </p:txBody>
-      </p:sp>
-      <p:sp>
-        <p:nvSpPr>
-          <p:cNvPr id="21" name="Rectangle 20">
-            <a:extLst>
-              <a:ext uri="{FF2B5EF4-FFF2-40B4-BE49-F238E27FC236}">
-                <a16:creationId xmlns:a16="http://schemas.microsoft.com/office/drawing/2014/main" id="{22212DB4-D2C3-E86B-E0D6-F222EF2BB34C}"/>
-              </a:ext>
-            </a:extLst>
-          </p:cNvPr>
-          <p:cNvSpPr/>
-          <p:nvPr/>
-        </p:nvSpPr>
-        <p:spPr>
-          <a:xfrm>
-            <a:off x="3371006" y="1142314"/>
-            <a:ext cx="1210492" cy="680902"/>
-          </a:xfrm>
-          <a:prstGeom prst="rect">
-            <a:avLst/>
-          </a:prstGeom>
-        </p:spPr>
-        <p:style>
-          <a:lnRef idx="2">
-            <a:schemeClr val="accent1">
-              <a:shade val="50000"/>
-            </a:schemeClr>
-          </a:lnRef>
-          <a:fillRef idx="1">
-            <a:schemeClr val="accent1"/>
-          </a:fillRef>
-          <a:effectRef idx="0">
-            <a:schemeClr val="accent1"/>
-          </a:effectRef>
-          <a:fontRef idx="minor">
-            <a:schemeClr val="lt1"/>
-          </a:fontRef>
-        </p:style>
-        <p:txBody>
-          <a:bodyPr rtlCol="0" anchor="ctr"/>
-          <a:lstStyle/>
-          <a:p>
-            <a:pPr algn="ctr"/>
-            <a:endParaRPr lang="en-NZ"/>
-          </a:p>
-        </p:txBody>
-      </p:sp>
-      <p:sp>
-        <p:nvSpPr>
-          <p:cNvPr id="22" name="TextBox 21">
-            <a:extLst>
-              <a:ext uri="{FF2B5EF4-FFF2-40B4-BE49-F238E27FC236}">
-                <a16:creationId xmlns:a16="http://schemas.microsoft.com/office/drawing/2014/main" id="{82FAE493-DBB1-5977-BEFB-289A4AD9BDAB}"/>
-              </a:ext>
-            </a:extLst>
-          </p:cNvPr>
-          <p:cNvSpPr txBox="1"/>
-          <p:nvPr/>
-        </p:nvSpPr>
-        <p:spPr>
-          <a:xfrm>
-            <a:off x="2031771" y="1021100"/>
-            <a:ext cx="1275170" cy="923330"/>
-          </a:xfrm>
-          <a:prstGeom prst="rect">
-            <a:avLst/>
-          </a:prstGeom>
-          <a:noFill/>
-        </p:spPr>
-        <p:txBody>
-          <a:bodyPr wrap="square" rtlCol="0">
-            <a:spAutoFit/>
-          </a:bodyPr>
-          <a:lstStyle/>
-          <a:p>
+              <a:t>Property information transfer probability matrix i.e. SEAM in </a:t>
+            </a:r>
+            <a:r>
+              <a:rPr lang="en-NZ" dirty="0" err="1"/>
+              <a:t>INAscene</a:t>
+            </a:r>
             <a:r>
               <a:rPr lang="en-NZ" dirty="0"/>
-              <a:t>Potentially invaded properties</a:t>
-            </a:r>
-          </a:p>
-        </p:txBody>
-      </p:sp>
-      <p:sp>
-        <p:nvSpPr>
-          <p:cNvPr id="25" name="TextBox 24">
-            <a:extLst>
-              <a:ext uri="{FF2B5EF4-FFF2-40B4-BE49-F238E27FC236}">
-                <a16:creationId xmlns:a16="http://schemas.microsoft.com/office/drawing/2014/main" id="{27FA5BD0-4818-1DED-580D-FB84FAC60056}"/>
-              </a:ext>
-            </a:extLst>
-          </p:cNvPr>
-          <p:cNvSpPr txBox="1"/>
-          <p:nvPr/>
-        </p:nvSpPr>
-        <p:spPr>
-          <a:xfrm>
-            <a:off x="2977690" y="-56118"/>
-            <a:ext cx="6014273" cy="1077218"/>
-          </a:xfrm>
-          <a:prstGeom prst="rect">
-            <a:avLst/>
-          </a:prstGeom>
-          <a:noFill/>
-        </p:spPr>
-        <p:txBody>
-          <a:bodyPr wrap="square" rtlCol="0">
-            <a:spAutoFit/>
-          </a:bodyPr>
-          <a:lstStyle/>
-          <a:p>
-            <a:pPr algn="ctr"/>
-            <a:r>
-              <a:rPr lang="en-NZ" sz="3200" dirty="0"/>
-              <a:t>Identify initially infested properties from pest occurrence data</a:t>
+              <a:t> function call</a:t>
             </a:r>
           </a:p>
         </p:txBody>
       </p:sp>
       <p:cxnSp>
         <p:nvCxnSpPr>
-          <p:cNvPr id="27" name="Straight Arrow Connector 26">
-            <a:extLst>
-              <a:ext uri="{FF2B5EF4-FFF2-40B4-BE49-F238E27FC236}">
-                <a16:creationId xmlns:a16="http://schemas.microsoft.com/office/drawing/2014/main" id="{FC19612E-1794-79D0-9BF7-2337B1E99DFB}"/>
+          <p:cNvPr id="35" name="Straight Arrow Connector 34">
+            <a:extLst>
+              <a:ext uri="{FF2B5EF4-FFF2-40B4-BE49-F238E27FC236}">
+                <a16:creationId xmlns:a16="http://schemas.microsoft.com/office/drawing/2014/main" id="{E3502059-861E-CEB1-E691-3775CA1A4C98}"/>
               </a:ext>
             </a:extLst>
           </p:cNvPr>
           <p:cNvCxnSpPr>
-            <a:stCxn id="21" idx="2"/>
-            <a:endCxn id="17" idx="0"/>
+            <a:stCxn id="24" idx="4"/>
+            <a:endCxn id="26" idx="0"/>
           </p:cNvCxnSpPr>
           <p:nvPr/>
         </p:nvCxnSpPr>
         <p:spPr>
           <a:xfrm>
-            <a:off x="3976252" y="1823216"/>
-            <a:ext cx="1669805" cy="413626"/>
+            <a:off x="4739636" y="3885802"/>
+            <a:ext cx="9610" cy="1055343"/>
           </a:xfrm>
           <a:prstGeom prst="straightConnector1">
             <a:avLst/>
@@ -9519,23 +10658,23 @@
       </p:cxnSp>
       <p:cxnSp>
         <p:nvCxnSpPr>
-          <p:cNvPr id="29" name="Straight Arrow Connector 28">
-            <a:extLst>
-              <a:ext uri="{FF2B5EF4-FFF2-40B4-BE49-F238E27FC236}">
-                <a16:creationId xmlns:a16="http://schemas.microsoft.com/office/drawing/2014/main" id="{A6452BD3-9AF0-24E7-F403-C1B355016F5C}"/>
+          <p:cNvPr id="37" name="Straight Arrow Connector 36">
+            <a:extLst>
+              <a:ext uri="{FF2B5EF4-FFF2-40B4-BE49-F238E27FC236}">
+                <a16:creationId xmlns:a16="http://schemas.microsoft.com/office/drawing/2014/main" id="{2D5097E6-D263-9F11-F784-84045526C9E0}"/>
               </a:ext>
             </a:extLst>
           </p:cNvPr>
           <p:cNvCxnSpPr>
-            <a:stCxn id="12" idx="3"/>
-            <a:endCxn id="17" idx="0"/>
+            <a:stCxn id="9" idx="2"/>
+            <a:endCxn id="24" idx="0"/>
           </p:cNvCxnSpPr>
           <p:nvPr/>
         </p:nvCxnSpPr>
         <p:spPr>
-          <a:xfrm flipH="1">
-            <a:off x="5794803" y="1873239"/>
-            <a:ext cx="1410753" cy="339374"/>
+          <a:xfrm>
+            <a:off x="4738792" y="2737798"/>
+            <a:ext cx="844" cy="477444"/>
           </a:xfrm>
           <a:prstGeom prst="straightConnector1">
             <a:avLst/>
@@ -9559,52 +10698,45 @@
           </a:fontRef>
         </p:style>
       </p:cxnSp>
-      <p:cxnSp>
-        <p:nvCxnSpPr>
-          <p:cNvPr id="31" name="Straight Arrow Connector 30">
-            <a:extLst>
-              <a:ext uri="{FF2B5EF4-FFF2-40B4-BE49-F238E27FC236}">
-                <a16:creationId xmlns:a16="http://schemas.microsoft.com/office/drawing/2014/main" id="{F3CFC76C-B4A3-5233-9A60-EC7DACA032D9}"/>
-              </a:ext>
-            </a:extLst>
-          </p:cNvPr>
-          <p:cNvCxnSpPr>
-            <a:stCxn id="17" idx="4"/>
-            <a:endCxn id="19" idx="0"/>
-          </p:cNvCxnSpPr>
-          <p:nvPr/>
-        </p:nvCxnSpPr>
-        <p:spPr>
-          <a:xfrm flipH="1">
-            <a:off x="5788271" y="2883173"/>
-            <a:ext cx="6532" cy="583965"/>
-          </a:xfrm>
-          <a:prstGeom prst="straightConnector1">
-            <a:avLst/>
-          </a:prstGeom>
-          <a:ln>
-            <a:tailEnd type="triangle"/>
-          </a:ln>
-        </p:spPr>
-        <p:style>
-          <a:lnRef idx="1">
-            <a:schemeClr val="accent1"/>
-          </a:lnRef>
-          <a:fillRef idx="0">
-            <a:schemeClr val="accent1"/>
-          </a:fillRef>
-          <a:effectRef idx="0">
-            <a:schemeClr val="accent1"/>
-          </a:effectRef>
-          <a:fontRef idx="minor">
-            <a:schemeClr val="tx1"/>
-          </a:fontRef>
-        </p:style>
-      </p:cxnSp>
+      <p:sp>
+        <p:nvSpPr>
+          <p:cNvPr id="3" name="TextBox 2">
+            <a:extLst>
+              <a:ext uri="{FF2B5EF4-FFF2-40B4-BE49-F238E27FC236}">
+                <a16:creationId xmlns:a16="http://schemas.microsoft.com/office/drawing/2014/main" id="{D50C57FA-C282-64B9-74AF-780A6F376DF6}"/>
+              </a:ext>
+            </a:extLst>
+          </p:cNvPr>
+          <p:cNvSpPr txBox="1"/>
+          <p:nvPr/>
+        </p:nvSpPr>
+        <p:spPr>
+          <a:xfrm>
+            <a:off x="5456673" y="2943471"/>
+            <a:ext cx="3312856" cy="1754326"/>
+          </a:xfrm>
+          <a:prstGeom prst="rect">
+            <a:avLst/>
+          </a:prstGeom>
+          <a:noFill/>
+        </p:spPr>
+        <p:txBody>
+          <a:bodyPr wrap="square" rtlCol="0">
+            <a:spAutoFit/>
+          </a:bodyPr>
+          <a:lstStyle/>
+          <a:p>
+            <a:r>
+              <a:rPr lang="en-NZ" dirty="0"/>
+              <a:t>Assign fixed or variable communication probability to property pairs within the information transfer distance limit. All other property pairs assigned zero. </a:t>
+            </a:r>
+          </a:p>
+        </p:txBody>
+      </p:sp>
     </p:spTree>
     <p:extLst>
       <p:ext uri="{BB962C8B-B14F-4D97-AF65-F5344CB8AC3E}">
-        <p14:creationId xmlns:p14="http://schemas.microsoft.com/office/powerpoint/2010/main" val="2382085848"/>
+        <p14:creationId xmlns:p14="http://schemas.microsoft.com/office/powerpoint/2010/main" val="877965345"/>
       </p:ext>
     </p:extLst>
   </p:cSld>
@@ -9633,10 +10765,10 @@
       </p:grpSpPr>
       <p:sp>
         <p:nvSpPr>
-          <p:cNvPr id="17" name="Oval 16">
-            <a:extLst>
-              <a:ext uri="{FF2B5EF4-FFF2-40B4-BE49-F238E27FC236}">
-                <a16:creationId xmlns:a16="http://schemas.microsoft.com/office/drawing/2014/main" id="{0A3E6A86-E54F-15C2-ABB4-B75601D24F6A}"/>
+          <p:cNvPr id="12" name="Flowchart: Magnetic Disk 11">
+            <a:extLst>
+              <a:ext uri="{FF2B5EF4-FFF2-40B4-BE49-F238E27FC236}">
+                <a16:creationId xmlns:a16="http://schemas.microsoft.com/office/drawing/2014/main" id="{A941DC81-5B1F-46B5-1057-59B8D344A675}"/>
               </a:ext>
             </a:extLst>
           </p:cNvPr>
@@ -9645,10 +10777,10 @@
         </p:nvSpPr>
         <p:spPr>
           <a:xfrm>
-            <a:off x="5205161" y="3678556"/>
-            <a:ext cx="1284514" cy="670560"/>
-          </a:xfrm>
-          <a:prstGeom prst="ellipse">
+            <a:off x="6800607" y="2439299"/>
+            <a:ext cx="809897" cy="670560"/>
+          </a:xfrm>
+          <a:prstGeom prst="flowChartMagneticDisk">
             <a:avLst/>
           </a:prstGeom>
         </p:spPr>
@@ -9679,10 +10811,10 @@
       </p:sp>
       <p:sp>
         <p:nvSpPr>
-          <p:cNvPr id="18" name="TextBox 17">
-            <a:extLst>
-              <a:ext uri="{FF2B5EF4-FFF2-40B4-BE49-F238E27FC236}">
-                <a16:creationId xmlns:a16="http://schemas.microsoft.com/office/drawing/2014/main" id="{75FB5CBD-3C9F-1EAF-BEAC-F8FEDEEA5F54}"/>
+          <p:cNvPr id="13" name="TextBox 12">
+            <a:extLst>
+              <a:ext uri="{FF2B5EF4-FFF2-40B4-BE49-F238E27FC236}">
+                <a16:creationId xmlns:a16="http://schemas.microsoft.com/office/drawing/2014/main" id="{6093F917-C93E-46F1-ADE3-7203CE55C7EF}"/>
               </a:ext>
             </a:extLst>
           </p:cNvPr>
@@ -9691,8 +10823,8 @@
         </p:nvSpPr>
         <p:spPr>
           <a:xfrm>
-            <a:off x="6517000" y="3583966"/>
-            <a:ext cx="5293999" cy="1754326"/>
+            <a:off x="7738634" y="2463528"/>
+            <a:ext cx="1351190" cy="646331"/>
           </a:xfrm>
           <a:prstGeom prst="rect">
             <a:avLst/>
@@ -9707,31 +10839,17 @@
           <a:p>
             <a:r>
               <a:rPr lang="en-NZ" dirty="0"/>
-              <a:t>Select rows of invasion probability matrix for source farms* and columns of invasion matrix for sink farms</a:t>
-            </a:r>
-          </a:p>
-          <a:p>
-            <a:r>
-              <a:rPr lang="en-NZ" dirty="0"/>
-              <a:t>*NB: in current cross-region implementation  source farms are in columns. However in </a:t>
-            </a:r>
-            <a:r>
-              <a:rPr lang="en-NZ" dirty="0" err="1"/>
-              <a:t>INAscene</a:t>
-            </a:r>
-            <a:r>
-              <a:rPr lang="en-NZ" dirty="0"/>
-              <a:t> source farms are always in rows. Keep this notation for work flow overview</a:t>
-            </a:r>
-          </a:p>
-        </p:txBody>
-      </p:sp>
-      <p:sp>
-        <p:nvSpPr>
-          <p:cNvPr id="19" name="Rectangle 18">
-            <a:extLst>
-              <a:ext uri="{FF2B5EF4-FFF2-40B4-BE49-F238E27FC236}">
-                <a16:creationId xmlns:a16="http://schemas.microsoft.com/office/drawing/2014/main" id="{73345D85-BEE3-3031-D3D1-DC1FF8168C47}"/>
+              <a:t>Initial pest occurrences</a:t>
+            </a:r>
+          </a:p>
+        </p:txBody>
+      </p:sp>
+      <p:sp>
+        <p:nvSpPr>
+          <p:cNvPr id="17" name="Oval 16">
+            <a:extLst>
+              <a:ext uri="{FF2B5EF4-FFF2-40B4-BE49-F238E27FC236}">
+                <a16:creationId xmlns:a16="http://schemas.microsoft.com/office/drawing/2014/main" id="{0A3E6A86-E54F-15C2-ABB4-B75601D24F6A}"/>
               </a:ext>
             </a:extLst>
           </p:cNvPr>
@@ -9740,10 +10858,10 @@
         </p:nvSpPr>
         <p:spPr>
           <a:xfrm>
-            <a:off x="5241083" y="5385881"/>
-            <a:ext cx="1210492" cy="680902"/>
-          </a:xfrm>
-          <a:prstGeom prst="rect">
+            <a:off x="5152546" y="3449233"/>
+            <a:ext cx="1284514" cy="670560"/>
+          </a:xfrm>
+          <a:prstGeom prst="ellipse">
             <a:avLst/>
           </a:prstGeom>
         </p:spPr>
@@ -9774,10 +10892,10 @@
       </p:sp>
       <p:sp>
         <p:nvSpPr>
-          <p:cNvPr id="20" name="TextBox 19">
-            <a:extLst>
-              <a:ext uri="{FF2B5EF4-FFF2-40B4-BE49-F238E27FC236}">
-                <a16:creationId xmlns:a16="http://schemas.microsoft.com/office/drawing/2014/main" id="{4CD5B9CE-DAEF-D55B-CF34-3D0925046FF9}"/>
+          <p:cNvPr id="18" name="TextBox 17">
+            <a:extLst>
+              <a:ext uri="{FF2B5EF4-FFF2-40B4-BE49-F238E27FC236}">
+                <a16:creationId xmlns:a16="http://schemas.microsoft.com/office/drawing/2014/main" id="{75FB5CBD-3C9F-1EAF-BEAC-F8FEDEEA5F54}"/>
               </a:ext>
             </a:extLst>
           </p:cNvPr>
@@ -9786,8 +10904,8 @@
         </p:nvSpPr>
         <p:spPr>
           <a:xfrm>
-            <a:off x="6560544" y="5425243"/>
-            <a:ext cx="2313045" cy="646331"/>
+            <a:off x="6502486" y="3354643"/>
+            <a:ext cx="2361347" cy="923330"/>
           </a:xfrm>
           <a:prstGeom prst="rect">
             <a:avLst/>
@@ -9802,17 +10920,17 @@
           <a:p>
             <a:r>
               <a:rPr lang="en-NZ" dirty="0"/>
-              <a:t>Source-sink invasion probability matrix</a:t>
-            </a:r>
-          </a:p>
-        </p:txBody>
-      </p:sp>
-      <p:sp>
-        <p:nvSpPr>
-          <p:cNvPr id="21" name="Rectangle 20">
-            <a:extLst>
-              <a:ext uri="{FF2B5EF4-FFF2-40B4-BE49-F238E27FC236}">
-                <a16:creationId xmlns:a16="http://schemas.microsoft.com/office/drawing/2014/main" id="{22212DB4-D2C3-E86B-E0D6-F222EF2BB34C}"/>
+              <a:t>Intersect occurrences with property boundaries</a:t>
+            </a:r>
+          </a:p>
+        </p:txBody>
+      </p:sp>
+      <p:sp>
+        <p:nvSpPr>
+          <p:cNvPr id="19" name="Rectangle 18">
+            <a:extLst>
+              <a:ext uri="{FF2B5EF4-FFF2-40B4-BE49-F238E27FC236}">
+                <a16:creationId xmlns:a16="http://schemas.microsoft.com/office/drawing/2014/main" id="{73345D85-BEE3-3031-D3D1-DC1FF8168C47}"/>
               </a:ext>
             </a:extLst>
           </p:cNvPr>
@@ -9821,7 +10939,7 @@
         </p:nvSpPr>
         <p:spPr>
           <a:xfrm>
-            <a:off x="3385521" y="2608257"/>
+            <a:off x="5183025" y="4703758"/>
             <a:ext cx="1210492" cy="680902"/>
           </a:xfrm>
           <a:prstGeom prst="rect">
@@ -9855,10 +10973,10 @@
       </p:sp>
       <p:sp>
         <p:nvSpPr>
-          <p:cNvPr id="22" name="TextBox 21">
-            <a:extLst>
-              <a:ext uri="{FF2B5EF4-FFF2-40B4-BE49-F238E27FC236}">
-                <a16:creationId xmlns:a16="http://schemas.microsoft.com/office/drawing/2014/main" id="{82FAE493-DBB1-5977-BEFB-289A4AD9BDAB}"/>
+          <p:cNvPr id="20" name="TextBox 19">
+            <a:extLst>
+              <a:ext uri="{FF2B5EF4-FFF2-40B4-BE49-F238E27FC236}">
+                <a16:creationId xmlns:a16="http://schemas.microsoft.com/office/drawing/2014/main" id="{4CD5B9CE-DAEF-D55B-CF34-3D0925046FF9}"/>
               </a:ext>
             </a:extLst>
           </p:cNvPr>
@@ -9867,8 +10985,8 @@
         </p:nvSpPr>
         <p:spPr>
           <a:xfrm>
-            <a:off x="783771" y="2487043"/>
-            <a:ext cx="2537685" cy="646331"/>
+            <a:off x="6502486" y="4743120"/>
+            <a:ext cx="2313045" cy="646331"/>
           </a:xfrm>
           <a:prstGeom prst="rect">
             <a:avLst/>
@@ -9883,17 +11001,63 @@
           <a:p>
             <a:r>
               <a:rPr lang="en-NZ" dirty="0"/>
-              <a:t>Potentially invaded properties: source region</a:t>
-            </a:r>
-          </a:p>
-        </p:txBody>
-      </p:sp>
-      <p:sp>
-        <p:nvSpPr>
-          <p:cNvPr id="25" name="TextBox 24">
-            <a:extLst>
-              <a:ext uri="{FF2B5EF4-FFF2-40B4-BE49-F238E27FC236}">
-                <a16:creationId xmlns:a16="http://schemas.microsoft.com/office/drawing/2014/main" id="{27FA5BD0-4818-1DED-580D-FB84FAC60056}"/>
+              <a:t>Initially infested properties</a:t>
+            </a:r>
+          </a:p>
+        </p:txBody>
+      </p:sp>
+      <p:sp>
+        <p:nvSpPr>
+          <p:cNvPr id="21" name="Rectangle 20">
+            <a:extLst>
+              <a:ext uri="{FF2B5EF4-FFF2-40B4-BE49-F238E27FC236}">
+                <a16:creationId xmlns:a16="http://schemas.microsoft.com/office/drawing/2014/main" id="{22212DB4-D2C3-E86B-E0D6-F222EF2BB34C}"/>
+              </a:ext>
+            </a:extLst>
+          </p:cNvPr>
+          <p:cNvSpPr/>
+          <p:nvPr/>
+        </p:nvSpPr>
+        <p:spPr>
+          <a:xfrm>
+            <a:off x="3371006" y="2378934"/>
+            <a:ext cx="1210492" cy="680902"/>
+          </a:xfrm>
+          <a:prstGeom prst="rect">
+            <a:avLst/>
+          </a:prstGeom>
+        </p:spPr>
+        <p:style>
+          <a:lnRef idx="2">
+            <a:schemeClr val="accent1">
+              <a:shade val="50000"/>
+            </a:schemeClr>
+          </a:lnRef>
+          <a:fillRef idx="1">
+            <a:schemeClr val="accent1"/>
+          </a:fillRef>
+          <a:effectRef idx="0">
+            <a:schemeClr val="accent1"/>
+          </a:effectRef>
+          <a:fontRef idx="minor">
+            <a:schemeClr val="lt1"/>
+          </a:fontRef>
+        </p:style>
+        <p:txBody>
+          <a:bodyPr rtlCol="0" anchor="ctr"/>
+          <a:lstStyle/>
+          <a:p>
+            <a:pPr algn="ctr"/>
+            <a:endParaRPr lang="en-NZ"/>
+          </a:p>
+        </p:txBody>
+      </p:sp>
+      <p:sp>
+        <p:nvSpPr>
+          <p:cNvPr id="22" name="TextBox 21">
+            <a:extLst>
+              <a:ext uri="{FF2B5EF4-FFF2-40B4-BE49-F238E27FC236}">
+                <a16:creationId xmlns:a16="http://schemas.microsoft.com/office/drawing/2014/main" id="{82FAE493-DBB1-5977-BEFB-289A4AD9BDAB}"/>
               </a:ext>
             </a:extLst>
           </p:cNvPr>
@@ -9902,8 +11066,8 @@
         </p:nvSpPr>
         <p:spPr>
           <a:xfrm>
-            <a:off x="2235200" y="-56118"/>
-            <a:ext cx="7199086" cy="1077218"/>
+            <a:off x="2031771" y="2257720"/>
+            <a:ext cx="1275170" cy="923330"/>
           </a:xfrm>
           <a:prstGeom prst="rect">
             <a:avLst/>
@@ -9916,10 +11080,45 @@
           </a:bodyPr>
           <a:lstStyle/>
           <a:p>
+            <a:r>
+              <a:rPr lang="en-NZ" dirty="0"/>
+              <a:t>Potentially invaded properties</a:t>
+            </a:r>
+          </a:p>
+        </p:txBody>
+      </p:sp>
+      <p:sp>
+        <p:nvSpPr>
+          <p:cNvPr id="25" name="TextBox 24">
+            <a:extLst>
+              <a:ext uri="{FF2B5EF4-FFF2-40B4-BE49-F238E27FC236}">
+                <a16:creationId xmlns:a16="http://schemas.microsoft.com/office/drawing/2014/main" id="{27FA5BD0-4818-1DED-580D-FB84FAC60056}"/>
+              </a:ext>
+            </a:extLst>
+          </p:cNvPr>
+          <p:cNvSpPr txBox="1"/>
+          <p:nvPr/>
+        </p:nvSpPr>
+        <p:spPr>
+          <a:xfrm>
+            <a:off x="2707721" y="1093417"/>
+            <a:ext cx="6014273" cy="1077218"/>
+          </a:xfrm>
+          <a:prstGeom prst="rect">
+            <a:avLst/>
+          </a:prstGeom>
+          <a:noFill/>
+        </p:spPr>
+        <p:txBody>
+          <a:bodyPr wrap="square" rtlCol="0">
+            <a:spAutoFit/>
+          </a:bodyPr>
+          <a:lstStyle/>
+          <a:p>
             <a:pPr algn="ctr"/>
             <a:r>
               <a:rPr lang="en-NZ" sz="3200" dirty="0"/>
-              <a:t>Estimate invasion risk from hypothetical or external source: cross-region example</a:t>
+              <a:t>Identify initially infested properties from pest occurrence data</a:t>
             </a:r>
           </a:p>
         </p:txBody>
@@ -9934,7 +11133,6 @@
             </a:extLst>
           </p:cNvPr>
           <p:cNvCxnSpPr>
-            <a:cxnSpLocks/>
             <a:stCxn id="21" idx="2"/>
             <a:endCxn id="17" idx="0"/>
           </p:cNvCxnSpPr>
@@ -9942,8 +11140,8 @@
         </p:nvCxnSpPr>
         <p:spPr>
           <a:xfrm>
-            <a:off x="3990767" y="3289159"/>
-            <a:ext cx="1856651" cy="389397"/>
+            <a:off x="3976252" y="3059836"/>
+            <a:ext cx="1669805" cy="413626"/>
           </a:xfrm>
           <a:prstGeom prst="straightConnector1">
             <a:avLst/>
@@ -9977,16 +11175,15 @@
             </a:extLst>
           </p:cNvPr>
           <p:cNvCxnSpPr>
-            <a:cxnSpLocks/>
-            <a:stCxn id="2" idx="2"/>
+            <a:stCxn id="12" idx="3"/>
             <a:endCxn id="17" idx="0"/>
           </p:cNvCxnSpPr>
           <p:nvPr/>
         </p:nvCxnSpPr>
         <p:spPr>
           <a:xfrm flipH="1">
-            <a:off x="5847418" y="3312548"/>
-            <a:ext cx="1274829" cy="366008"/>
+            <a:off x="5794803" y="3109859"/>
+            <a:ext cx="1410753" cy="339374"/>
           </a:xfrm>
           <a:prstGeom prst="straightConnector1">
             <a:avLst/>
@@ -10020,7 +11217,6 @@
             </a:extLst>
           </p:cNvPr>
           <p:cNvCxnSpPr>
-            <a:cxnSpLocks/>
             <a:stCxn id="17" idx="4"/>
             <a:endCxn id="19" idx="0"/>
           </p:cNvCxnSpPr>
@@ -10028,472 +11224,8 @@
         </p:nvCxnSpPr>
         <p:spPr>
           <a:xfrm flipH="1">
-            <a:off x="5846329" y="4349116"/>
-            <a:ext cx="1089" cy="1036765"/>
-          </a:xfrm>
-          <a:prstGeom prst="straightConnector1">
-            <a:avLst/>
-          </a:prstGeom>
-          <a:ln>
-            <a:tailEnd type="triangle"/>
-          </a:ln>
-        </p:spPr>
-        <p:style>
-          <a:lnRef idx="1">
-            <a:schemeClr val="accent1"/>
-          </a:lnRef>
-          <a:fillRef idx="0">
-            <a:schemeClr val="accent1"/>
-          </a:fillRef>
-          <a:effectRef idx="0">
-            <a:schemeClr val="accent1"/>
-          </a:effectRef>
-          <a:fontRef idx="minor">
-            <a:schemeClr val="tx1"/>
-          </a:fontRef>
-        </p:style>
-      </p:cxnSp>
-      <p:sp>
-        <p:nvSpPr>
-          <p:cNvPr id="2" name="Rectangle 1">
-            <a:extLst>
-              <a:ext uri="{FF2B5EF4-FFF2-40B4-BE49-F238E27FC236}">
-                <a16:creationId xmlns:a16="http://schemas.microsoft.com/office/drawing/2014/main" id="{73F47B11-9DE0-92CB-7B25-924A0FFAABFF}"/>
-              </a:ext>
-            </a:extLst>
-          </p:cNvPr>
-          <p:cNvSpPr/>
-          <p:nvPr/>
-        </p:nvSpPr>
-        <p:spPr>
-          <a:xfrm>
-            <a:off x="6517001" y="2631646"/>
-            <a:ext cx="1210492" cy="680902"/>
-          </a:xfrm>
-          <a:prstGeom prst="rect">
-            <a:avLst/>
-          </a:prstGeom>
-        </p:spPr>
-        <p:style>
-          <a:lnRef idx="2">
-            <a:schemeClr val="accent1">
-              <a:shade val="50000"/>
-            </a:schemeClr>
-          </a:lnRef>
-          <a:fillRef idx="1">
-            <a:schemeClr val="accent1"/>
-          </a:fillRef>
-          <a:effectRef idx="0">
-            <a:schemeClr val="accent1"/>
-          </a:effectRef>
-          <a:fontRef idx="minor">
-            <a:schemeClr val="lt1"/>
-          </a:fontRef>
-        </p:style>
-        <p:txBody>
-          <a:bodyPr rtlCol="0" anchor="ctr"/>
-          <a:lstStyle/>
-          <a:p>
-            <a:pPr algn="ctr"/>
-            <a:endParaRPr lang="en-NZ"/>
-          </a:p>
-        </p:txBody>
-      </p:sp>
-      <p:sp>
-        <p:nvSpPr>
-          <p:cNvPr id="3" name="TextBox 2">
-            <a:extLst>
-              <a:ext uri="{FF2B5EF4-FFF2-40B4-BE49-F238E27FC236}">
-                <a16:creationId xmlns:a16="http://schemas.microsoft.com/office/drawing/2014/main" id="{9E3671C6-B5BF-5138-EF28-33ABF803403D}"/>
-              </a:ext>
-            </a:extLst>
-          </p:cNvPr>
-          <p:cNvSpPr txBox="1"/>
-          <p:nvPr/>
-        </p:nvSpPr>
-        <p:spPr>
-          <a:xfrm>
-            <a:off x="7836462" y="2671008"/>
-            <a:ext cx="2313045" cy="646331"/>
-          </a:xfrm>
-          <a:prstGeom prst="rect">
-            <a:avLst/>
-          </a:prstGeom>
-          <a:noFill/>
-        </p:spPr>
-        <p:txBody>
-          <a:bodyPr wrap="square" rtlCol="0">
-            <a:spAutoFit/>
-          </a:bodyPr>
-          <a:lstStyle/>
-          <a:p>
-            <a:r>
-              <a:rPr lang="en-NZ" dirty="0"/>
-              <a:t>Potentially invaded properties: sink region</a:t>
-            </a:r>
-          </a:p>
-        </p:txBody>
-      </p:sp>
-      <p:sp>
-        <p:nvSpPr>
-          <p:cNvPr id="5" name="Rectangle 4">
-            <a:extLst>
-              <a:ext uri="{FF2B5EF4-FFF2-40B4-BE49-F238E27FC236}">
-                <a16:creationId xmlns:a16="http://schemas.microsoft.com/office/drawing/2014/main" id="{3F3B93BB-9F3C-8FBF-B9D5-319822B446D7}"/>
-              </a:ext>
-            </a:extLst>
-          </p:cNvPr>
-          <p:cNvSpPr/>
-          <p:nvPr/>
-        </p:nvSpPr>
-        <p:spPr>
-          <a:xfrm>
-            <a:off x="5241083" y="1544946"/>
-            <a:ext cx="1210492" cy="680902"/>
-          </a:xfrm>
-          <a:prstGeom prst="rect">
-            <a:avLst/>
-          </a:prstGeom>
-        </p:spPr>
-        <p:style>
-          <a:lnRef idx="2">
-            <a:schemeClr val="accent1">
-              <a:shade val="50000"/>
-            </a:schemeClr>
-          </a:lnRef>
-          <a:fillRef idx="1">
-            <a:schemeClr val="accent1"/>
-          </a:fillRef>
-          <a:effectRef idx="0">
-            <a:schemeClr val="accent1"/>
-          </a:effectRef>
-          <a:fontRef idx="minor">
-            <a:schemeClr val="lt1"/>
-          </a:fontRef>
-        </p:style>
-        <p:txBody>
-          <a:bodyPr rtlCol="0" anchor="ctr"/>
-          <a:lstStyle/>
-          <a:p>
-            <a:pPr algn="ctr"/>
-            <a:endParaRPr lang="en-NZ"/>
-          </a:p>
-        </p:txBody>
-      </p:sp>
-      <p:sp>
-        <p:nvSpPr>
-          <p:cNvPr id="6" name="TextBox 5">
-            <a:extLst>
-              <a:ext uri="{FF2B5EF4-FFF2-40B4-BE49-F238E27FC236}">
-                <a16:creationId xmlns:a16="http://schemas.microsoft.com/office/drawing/2014/main" id="{19CF2FCA-E969-FECE-CF33-7D63802617B6}"/>
-              </a:ext>
-            </a:extLst>
-          </p:cNvPr>
-          <p:cNvSpPr txBox="1"/>
-          <p:nvPr/>
-        </p:nvSpPr>
-        <p:spPr>
-          <a:xfrm>
-            <a:off x="4809202" y="851285"/>
-            <a:ext cx="2313045" cy="646331"/>
-          </a:xfrm>
-          <a:prstGeom prst="rect">
-            <a:avLst/>
-          </a:prstGeom>
-          <a:noFill/>
-        </p:spPr>
-        <p:txBody>
-          <a:bodyPr wrap="square" rtlCol="0">
-            <a:spAutoFit/>
-          </a:bodyPr>
-          <a:lstStyle/>
-          <a:p>
-            <a:r>
-              <a:rPr lang="en-NZ" dirty="0"/>
-              <a:t>Property invasion probability matrix</a:t>
-            </a:r>
-          </a:p>
-        </p:txBody>
-      </p:sp>
-      <p:cxnSp>
-        <p:nvCxnSpPr>
-          <p:cNvPr id="8" name="Straight Arrow Connector 7">
-            <a:extLst>
-              <a:ext uri="{FF2B5EF4-FFF2-40B4-BE49-F238E27FC236}">
-                <a16:creationId xmlns:a16="http://schemas.microsoft.com/office/drawing/2014/main" id="{5FBB6AE4-2723-E7F7-89FB-32A77611D417}"/>
-              </a:ext>
-            </a:extLst>
-          </p:cNvPr>
-          <p:cNvCxnSpPr>
-            <a:stCxn id="5" idx="2"/>
-            <a:endCxn id="17" idx="0"/>
-          </p:cNvCxnSpPr>
-          <p:nvPr/>
-        </p:nvCxnSpPr>
-        <p:spPr>
-          <a:xfrm>
-            <a:off x="5846329" y="2225848"/>
-            <a:ext cx="1089" cy="1452708"/>
-          </a:xfrm>
-          <a:prstGeom prst="straightConnector1">
-            <a:avLst/>
-          </a:prstGeom>
-          <a:ln>
-            <a:tailEnd type="triangle"/>
-          </a:ln>
-        </p:spPr>
-        <p:style>
-          <a:lnRef idx="1">
-            <a:schemeClr val="accent1"/>
-          </a:lnRef>
-          <a:fillRef idx="0">
-            <a:schemeClr val="accent1"/>
-          </a:fillRef>
-          <a:effectRef idx="0">
-            <a:schemeClr val="accent1"/>
-          </a:effectRef>
-          <a:fontRef idx="minor">
-            <a:schemeClr val="tx1"/>
-          </a:fontRef>
-        </p:style>
-      </p:cxnSp>
-      <p:sp>
-        <p:nvSpPr>
-          <p:cNvPr id="14" name="Oval 13">
-            <a:extLst>
-              <a:ext uri="{FF2B5EF4-FFF2-40B4-BE49-F238E27FC236}">
-                <a16:creationId xmlns:a16="http://schemas.microsoft.com/office/drawing/2014/main" id="{8D7F3FED-B87F-2C55-F369-983A3B0317D0}"/>
-              </a:ext>
-            </a:extLst>
-          </p:cNvPr>
-          <p:cNvSpPr/>
-          <p:nvPr/>
-        </p:nvSpPr>
-        <p:spPr>
-          <a:xfrm>
-            <a:off x="5204072" y="6858000"/>
-            <a:ext cx="1284514" cy="670560"/>
-          </a:xfrm>
-          <a:prstGeom prst="ellipse">
-            <a:avLst/>
-          </a:prstGeom>
-        </p:spPr>
-        <p:style>
-          <a:lnRef idx="2">
-            <a:schemeClr val="accent1">
-              <a:shade val="50000"/>
-            </a:schemeClr>
-          </a:lnRef>
-          <a:fillRef idx="1">
-            <a:schemeClr val="accent1"/>
-          </a:fillRef>
-          <a:effectRef idx="0">
-            <a:schemeClr val="accent1"/>
-          </a:effectRef>
-          <a:fontRef idx="minor">
-            <a:schemeClr val="lt1"/>
-          </a:fontRef>
-        </p:style>
-        <p:txBody>
-          <a:bodyPr rtlCol="0" anchor="ctr"/>
-          <a:lstStyle/>
-          <a:p>
-            <a:pPr algn="ctr"/>
-            <a:endParaRPr lang="en-NZ"/>
-          </a:p>
-        </p:txBody>
-      </p:sp>
-      <p:sp>
-        <p:nvSpPr>
-          <p:cNvPr id="15" name="TextBox 14">
-            <a:extLst>
-              <a:ext uri="{FF2B5EF4-FFF2-40B4-BE49-F238E27FC236}">
-                <a16:creationId xmlns:a16="http://schemas.microsoft.com/office/drawing/2014/main" id="{0A8FE561-9608-D3C2-6B9C-9FD11AF2CE7C}"/>
-              </a:ext>
-            </a:extLst>
-          </p:cNvPr>
-          <p:cNvSpPr txBox="1"/>
-          <p:nvPr/>
-        </p:nvSpPr>
-        <p:spPr>
-          <a:xfrm>
-            <a:off x="6517001" y="6526014"/>
-            <a:ext cx="6055999" cy="1200329"/>
-          </a:xfrm>
-          <a:prstGeom prst="rect">
-            <a:avLst/>
-          </a:prstGeom>
-          <a:noFill/>
-        </p:spPr>
-        <p:txBody>
-          <a:bodyPr wrap="square" rtlCol="0">
-            <a:spAutoFit/>
-          </a:bodyPr>
-          <a:lstStyle/>
-          <a:p>
-            <a:r>
-              <a:rPr lang="en-NZ" dirty="0"/>
-              <a:t>Calculate column sums*</a:t>
-            </a:r>
-          </a:p>
-          <a:p>
-            <a:r>
-              <a:rPr lang="en-NZ" dirty="0"/>
-              <a:t>* NB: in current cross-region implementation sink farms are in rows. However in </a:t>
-            </a:r>
-            <a:r>
-              <a:rPr lang="en-NZ" dirty="0" err="1"/>
-              <a:t>INAscene</a:t>
-            </a:r>
-            <a:r>
-              <a:rPr lang="en-NZ" dirty="0"/>
-              <a:t> sink farms are always in columns. Keep this notation for work flow overview</a:t>
-            </a:r>
-          </a:p>
-        </p:txBody>
-      </p:sp>
-      <p:cxnSp>
-        <p:nvCxnSpPr>
-          <p:cNvPr id="23" name="Straight Arrow Connector 22">
-            <a:extLst>
-              <a:ext uri="{FF2B5EF4-FFF2-40B4-BE49-F238E27FC236}">
-                <a16:creationId xmlns:a16="http://schemas.microsoft.com/office/drawing/2014/main" id="{6BCF3302-55B0-8708-47F4-119D8D9C5A52}"/>
-              </a:ext>
-            </a:extLst>
-          </p:cNvPr>
-          <p:cNvCxnSpPr>
-            <a:stCxn id="19" idx="2"/>
-            <a:endCxn id="14" idx="0"/>
-          </p:cNvCxnSpPr>
-          <p:nvPr/>
-        </p:nvCxnSpPr>
-        <p:spPr>
-          <a:xfrm>
-            <a:off x="5846329" y="6066783"/>
-            <a:ext cx="0" cy="791217"/>
-          </a:xfrm>
-          <a:prstGeom prst="straightConnector1">
-            <a:avLst/>
-          </a:prstGeom>
-          <a:ln>
-            <a:tailEnd type="triangle"/>
-          </a:ln>
-        </p:spPr>
-        <p:style>
-          <a:lnRef idx="1">
-            <a:schemeClr val="accent1"/>
-          </a:lnRef>
-          <a:fillRef idx="0">
-            <a:schemeClr val="accent1"/>
-          </a:fillRef>
-          <a:effectRef idx="0">
-            <a:schemeClr val="accent1"/>
-          </a:effectRef>
-          <a:fontRef idx="minor">
-            <a:schemeClr val="tx1"/>
-          </a:fontRef>
-        </p:style>
-      </p:cxnSp>
-      <p:sp>
-        <p:nvSpPr>
-          <p:cNvPr id="24" name="Rectangle 23">
-            <a:extLst>
-              <a:ext uri="{FF2B5EF4-FFF2-40B4-BE49-F238E27FC236}">
-                <a16:creationId xmlns:a16="http://schemas.microsoft.com/office/drawing/2014/main" id="{BAB8BEB1-3AA4-84C0-9C5F-F439E62A230B}"/>
-              </a:ext>
-            </a:extLst>
-          </p:cNvPr>
-          <p:cNvSpPr/>
-          <p:nvPr/>
-        </p:nvSpPr>
-        <p:spPr>
-          <a:xfrm>
-            <a:off x="5241083" y="8014382"/>
-            <a:ext cx="1210492" cy="680902"/>
-          </a:xfrm>
-          <a:prstGeom prst="rect">
-            <a:avLst/>
-          </a:prstGeom>
-        </p:spPr>
-        <p:style>
-          <a:lnRef idx="2">
-            <a:schemeClr val="accent1">
-              <a:shade val="50000"/>
-            </a:schemeClr>
-          </a:lnRef>
-          <a:fillRef idx="1">
-            <a:schemeClr val="accent1"/>
-          </a:fillRef>
-          <a:effectRef idx="0">
-            <a:schemeClr val="accent1"/>
-          </a:effectRef>
-          <a:fontRef idx="minor">
-            <a:schemeClr val="lt1"/>
-          </a:fontRef>
-        </p:style>
-        <p:txBody>
-          <a:bodyPr rtlCol="0" anchor="ctr"/>
-          <a:lstStyle/>
-          <a:p>
-            <a:pPr algn="ctr"/>
-            <a:endParaRPr lang="en-NZ"/>
-          </a:p>
-        </p:txBody>
-      </p:sp>
-      <p:sp>
-        <p:nvSpPr>
-          <p:cNvPr id="26" name="TextBox 25">
-            <a:extLst>
-              <a:ext uri="{FF2B5EF4-FFF2-40B4-BE49-F238E27FC236}">
-                <a16:creationId xmlns:a16="http://schemas.microsoft.com/office/drawing/2014/main" id="{5AF2E0B6-EF34-31B0-1DEC-D88EDA9A31B0}"/>
-              </a:ext>
-            </a:extLst>
-          </p:cNvPr>
-          <p:cNvSpPr txBox="1"/>
-          <p:nvPr/>
-        </p:nvSpPr>
-        <p:spPr>
-          <a:xfrm>
-            <a:off x="6560544" y="8053744"/>
-            <a:ext cx="2313045" cy="646331"/>
-          </a:xfrm>
-          <a:prstGeom prst="rect">
-            <a:avLst/>
-          </a:prstGeom>
-          <a:noFill/>
-        </p:spPr>
-        <p:txBody>
-          <a:bodyPr wrap="square" rtlCol="0">
-            <a:spAutoFit/>
-          </a:bodyPr>
-          <a:lstStyle/>
-          <a:p>
-            <a:r>
-              <a:rPr lang="en-NZ" dirty="0"/>
-              <a:t>Sink property invasion risk vector</a:t>
-            </a:r>
-          </a:p>
-        </p:txBody>
-      </p:sp>
-      <p:cxnSp>
-        <p:nvCxnSpPr>
-          <p:cNvPr id="30" name="Straight Arrow Connector 29">
-            <a:extLst>
-              <a:ext uri="{FF2B5EF4-FFF2-40B4-BE49-F238E27FC236}">
-                <a16:creationId xmlns:a16="http://schemas.microsoft.com/office/drawing/2014/main" id="{DA5E54A7-350F-1F39-C7EB-643193686584}"/>
-              </a:ext>
-            </a:extLst>
-          </p:cNvPr>
-          <p:cNvCxnSpPr>
-            <a:stCxn id="14" idx="4"/>
-            <a:endCxn id="24" idx="0"/>
-          </p:cNvCxnSpPr>
-          <p:nvPr/>
-        </p:nvCxnSpPr>
-        <p:spPr>
-          <a:xfrm>
-            <a:off x="5846329" y="7528560"/>
-            <a:ext cx="0" cy="485822"/>
+            <a:off x="5788271" y="4119793"/>
+            <a:ext cx="6532" cy="583965"/>
           </a:xfrm>
           <a:prstGeom prst="straightConnector1">
             <a:avLst/>
@@ -10520,7 +11252,7 @@
     </p:spTree>
     <p:extLst>
       <p:ext uri="{BB962C8B-B14F-4D97-AF65-F5344CB8AC3E}">
-        <p14:creationId xmlns:p14="http://schemas.microsoft.com/office/powerpoint/2010/main" val="4225372331"/>
+        <p14:creationId xmlns:p14="http://schemas.microsoft.com/office/powerpoint/2010/main" val="2382085848"/>
       </p:ext>
     </p:extLst>
   </p:cSld>
